--- a/ClassMaterials/EventBasedProgramming/Slides/Part1-InterfaceReview.pptx
+++ b/ClassMaterials/EventBasedProgramming/Slides/Part1-InterfaceReview.pptx
@@ -166,16 +166,32 @@
 </p:presentation>
 </file>
 
-<file path=ppt/revisionInfo.xml><?xml version="1.0" encoding="utf-8"?>
-<p1510:revInfo xmlns:a="http://schemas.openxmlformats.org/drawingml/2006/main" xmlns:r="http://schemas.openxmlformats.org/officeDocument/2006/relationships" xmlns:p1510="http://schemas.microsoft.com/office/powerpoint/2015/10/main">
-  <p1510:revLst>
-    <p1510:client id="{8499BA59-1E0C-4156-BC6F-91B9428AF3F6}" v="6" dt="2021-10-07T12:50:40.995"/>
-  </p1510:revLst>
-</p1510:revInfo>
-</file>
-
 <file path=ppt/changesInfos/changesInfo1.xml><?xml version="1.0" encoding="utf-8"?>
 <pc:chgInfo xmlns:a="http://schemas.openxmlformats.org/drawingml/2006/main" xmlns:r="http://schemas.openxmlformats.org/officeDocument/2006/relationships" xmlns:ac="http://schemas.microsoft.com/office/drawing/2013/main/command" xmlns:pc="http://schemas.microsoft.com/office/powerpoint/2013/main/command">
+  <pc:docChgLst>
+    <pc:chgData name="Yoder, Jason" userId="28f4d4d8-da04-4f86-b14d-a21675737bc5" providerId="ADAL" clId="{1D3A8B93-E02B-4FF7-A14D-5009DCE24F61}"/>
+    <pc:docChg chg="modSld">
+      <pc:chgData name="Yoder, Jason" userId="28f4d4d8-da04-4f86-b14d-a21675737bc5" providerId="ADAL" clId="{1D3A8B93-E02B-4FF7-A14D-5009DCE24F61}" dt="2023-09-03T17:49:41.676" v="11" actId="20577"/>
+      <pc:docMkLst>
+        <pc:docMk/>
+      </pc:docMkLst>
+      <pc:sldChg chg="modSp mod">
+        <pc:chgData name="Yoder, Jason" userId="28f4d4d8-da04-4f86-b14d-a21675737bc5" providerId="ADAL" clId="{1D3A8B93-E02B-4FF7-A14D-5009DCE24F61}" dt="2023-09-03T17:49:41.676" v="11" actId="20577"/>
+        <pc:sldMkLst>
+          <pc:docMk/>
+          <pc:sldMk cId="0" sldId="256"/>
+        </pc:sldMkLst>
+        <pc:spChg chg="mod">
+          <ac:chgData name="Yoder, Jason" userId="28f4d4d8-da04-4f86-b14d-a21675737bc5" providerId="ADAL" clId="{1D3A8B93-E02B-4FF7-A14D-5009DCE24F61}" dt="2023-09-03T17:49:41.676" v="11" actId="20577"/>
+          <ac:spMkLst>
+            <pc:docMk/>
+            <pc:sldMk cId="0" sldId="256"/>
+            <ac:spMk id="3" creationId="{BE4C00AB-C55D-DD34-B7F1-40C0F2C378F8}"/>
+          </ac:spMkLst>
+        </pc:spChg>
+      </pc:sldChg>
+    </pc:docChg>
+  </pc:docChgLst>
   <pc:docChgLst>
     <pc:chgData name="Korinek, Adam" userId="S::korineaj@rose-hulman.edu::a98ddd77-be9c-4186-9ea9-5e52026b75b2" providerId="AD" clId="Web-{8499BA59-1E0C-4156-BC6F-91B9428AF3F6}"/>
     <pc:docChg chg="modSld">
@@ -320,7 +336,7 @@
               <a:pPr>
                 <a:defRPr/>
               </a:pPr>
-              <a:t>11/22/2022</a:t>
+              <a:t>9/3/2023</a:t>
             </a:fld>
             <a:endParaRPr lang="en-US"/>
           </a:p>
@@ -555,7 +571,7 @@
               <a:pPr>
                 <a:defRPr/>
               </a:pPr>
-              <a:t>11/22/2022</a:t>
+              <a:t>9/3/2023</a:t>
             </a:fld>
             <a:endParaRPr lang="en-US"/>
           </a:p>
@@ -938,7 +954,7 @@
           </a:ln>
           <a:extLst>
             <a:ext uri="{909E8E84-426E-40dd-AFC4-6F175D3DCCD1}">
-              <a14:hiddenFill xmlns:a14="http://schemas.microsoft.com/office/drawing/2010/main" xmlns="">
+              <a14:hiddenFill xmlns="" xmlns:a14="http://schemas.microsoft.com/office/drawing/2010/main">
                 <a:solidFill>
                   <a:srgbClr val="FFFFFF"/>
                 </a:solidFill>
@@ -962,14 +978,14 @@
           <a:ln/>
           <a:extLst>
             <a:ext uri="{909E8E84-426E-40dd-AFC4-6F175D3DCCD1}">
-              <a14:hiddenFill xmlns:a14="http://schemas.microsoft.com/office/drawing/2010/main" xmlns="">
+              <a14:hiddenFill xmlns="" xmlns:a14="http://schemas.microsoft.com/office/drawing/2010/main">
                 <a:solidFill>
                   <a:srgbClr val="FFFFFF"/>
                 </a:solidFill>
               </a14:hiddenFill>
             </a:ext>
             <a:ext uri="{91240B29-F687-4f45-9708-019B960494DF}">
-              <a14:hiddenLine xmlns:a14="http://schemas.microsoft.com/office/drawing/2010/main" xmlns="" w="9525">
+              <a14:hiddenLine xmlns="" xmlns:a14="http://schemas.microsoft.com/office/drawing/2010/main" w="9525">
                 <a:solidFill>
                   <a:srgbClr val="000000"/>
                 </a:solidFill>
@@ -1050,14 +1066,14 @@
           <a:ln/>
           <a:extLst>
             <a:ext uri="{909E8E84-426E-40dd-AFC4-6F175D3DCCD1}">
-              <a14:hiddenFill xmlns:a14="http://schemas.microsoft.com/office/drawing/2010/main" xmlns="">
+              <a14:hiddenFill xmlns="" xmlns:a14="http://schemas.microsoft.com/office/drawing/2010/main">
                 <a:solidFill>
                   <a:srgbClr val="FFFFFF"/>
                 </a:solidFill>
               </a14:hiddenFill>
             </a:ext>
             <a:ext uri="{91240B29-F687-4f45-9708-019B960494DF}">
-              <a14:hiddenLine xmlns:a14="http://schemas.microsoft.com/office/drawing/2010/main" xmlns="" w="9525">
+              <a14:hiddenLine xmlns="" xmlns:a14="http://schemas.microsoft.com/office/drawing/2010/main" w="9525">
                 <a:solidFill>
                   <a:srgbClr val="000000"/>
                 </a:solidFill>
@@ -1803,7 +1819,7 @@
               <a:pPr>
                 <a:defRPr/>
               </a:pPr>
-              <a:t>Tuesday, November 22, 2022</a:t>
+              <a:t>Sunday, September 3, 2023</a:t>
             </a:fld>
             <a:endParaRPr lang="en-US"/>
           </a:p>
@@ -1986,7 +2002,7 @@
               <a:pPr>
                 <a:defRPr/>
               </a:pPr>
-              <a:t>Tuesday, November 22, 2022</a:t>
+              <a:t>Sunday, September 3, 2023</a:t>
             </a:fld>
             <a:endParaRPr lang="en-US"/>
           </a:p>
@@ -2179,7 +2195,7 @@
               <a:pPr>
                 <a:defRPr/>
               </a:pPr>
-              <a:t>Tuesday, November 22, 2022</a:t>
+              <a:t>Sunday, September 3, 2023</a:t>
             </a:fld>
             <a:endParaRPr lang="en-US"/>
           </a:p>
@@ -2362,7 +2378,7 @@
               <a:pPr>
                 <a:defRPr/>
               </a:pPr>
-              <a:t>Tuesday, November 22, 2022</a:t>
+              <a:t>Sunday, September 3, 2023</a:t>
             </a:fld>
             <a:endParaRPr lang="en-US"/>
           </a:p>
@@ -2622,7 +2638,7 @@
               <a:pPr>
                 <a:defRPr/>
               </a:pPr>
-              <a:t>Tuesday, November 22, 2022</a:t>
+              <a:t>Sunday, September 3, 2023</a:t>
             </a:fld>
             <a:endParaRPr lang="en-US"/>
           </a:p>
@@ -2922,7 +2938,7 @@
               <a:pPr>
                 <a:defRPr/>
               </a:pPr>
-              <a:t>Tuesday, November 22, 2022</a:t>
+              <a:t>Sunday, September 3, 2023</a:t>
             </a:fld>
             <a:endParaRPr lang="en-US"/>
           </a:p>
@@ -3356,7 +3372,7 @@
               <a:pPr>
                 <a:defRPr/>
               </a:pPr>
-              <a:t>Tuesday, November 22, 2022</a:t>
+              <a:t>Sunday, September 3, 2023</a:t>
             </a:fld>
             <a:endParaRPr lang="en-US"/>
           </a:p>
@@ -3488,7 +3504,7 @@
               <a:pPr>
                 <a:defRPr/>
               </a:pPr>
-              <a:t>Tuesday, November 22, 2022</a:t>
+              <a:t>Sunday, September 3, 2023</a:t>
             </a:fld>
             <a:endParaRPr lang="en-US"/>
           </a:p>
@@ -3598,7 +3614,7 @@
               <a:pPr>
                 <a:defRPr/>
               </a:pPr>
-              <a:t>Tuesday, November 22, 2022</a:t>
+              <a:t>Sunday, September 3, 2023</a:t>
             </a:fld>
             <a:endParaRPr lang="en-US"/>
           </a:p>
@@ -3888,7 +3904,7 @@
               <a:pPr>
                 <a:defRPr/>
               </a:pPr>
-              <a:t>Tuesday, November 22, 2022</a:t>
+              <a:t>Sunday, September 3, 2023</a:t>
             </a:fld>
             <a:endParaRPr lang="en-US"/>
           </a:p>
@@ -4155,7 +4171,7 @@
               <a:pPr>
                 <a:defRPr/>
               </a:pPr>
-              <a:t>Tuesday, November 22, 2022</a:t>
+              <a:t>Sunday, September 3, 2023</a:t>
             </a:fld>
             <a:endParaRPr lang="en-US"/>
           </a:p>
@@ -4381,7 +4397,7 @@
               <a:pPr>
                 <a:defRPr/>
               </a:pPr>
-              <a:t>Tuesday, November 22, 2022</a:t>
+              <a:t>Sunday, September 3, 2023</a:t>
             </a:fld>
             <a:endParaRPr lang="en-US"/>
           </a:p>
@@ -4969,13 +4985,18 @@
           </a:p>
           <a:p>
             <a:r>
-              <a:rPr lang="en-US" sz="4400" dirty="0">
+              <a:rPr lang="en-US" sz="4400" dirty="0" err="1">
                 <a:highlight>
                   <a:srgbClr val="FFFF00"/>
                 </a:highlight>
               </a:rPr>
-              <a:t>__________</a:t>
-            </a:r>
+              <a:t>runonclick</a:t>
+            </a:r>
+            <a:endParaRPr lang="en-US" sz="4400" dirty="0">
+              <a:highlight>
+                <a:srgbClr val="FFFF00"/>
+              </a:highlight>
+            </a:endParaRPr>
           </a:p>
         </p:txBody>
       </p:sp>
@@ -8129,6 +8150,12 @@
 </file>
 
 <file path=customXml/item1.xml><?xml version="1.0" encoding="utf-8"?>
+<p:properties xmlns:p="http://schemas.microsoft.com/office/2006/metadata/properties" xmlns:xsi="http://www.w3.org/2001/XMLSchema-instance" xmlns:pc="http://schemas.microsoft.com/office/infopath/2007/PartnerControls">
+  <documentManagement/>
+</p:properties>
+</file>
+
+<file path=customXml/item2.xml><?xml version="1.0" encoding="utf-8"?>
 <ct:contentTypeSchema xmlns:ct="http://schemas.microsoft.com/office/2006/metadata/contentType" xmlns:ma="http://schemas.microsoft.com/office/2006/metadata/properties/metaAttributes" ct:_="" ma:_="" ma:contentTypeName="Document" ma:contentTypeID="0x0101001570BCAAD2E4294F9443DCB038A55380" ma:contentTypeVersion="8" ma:contentTypeDescription="Create a new document." ma:contentTypeScope="" ma:versionID="9523c79d6bab9e2ad858b5223ec5ed94">
   <xsd:schema xmlns:xsd="http://www.w3.org/2001/XMLSchema" xmlns:xs="http://www.w3.org/2001/XMLSchema" xmlns:p="http://schemas.microsoft.com/office/2006/metadata/properties" xmlns:ns2="201674f6-2bdd-4f13-ba1e-424e4aa70473" targetNamespace="http://schemas.microsoft.com/office/2006/metadata/properties" ma:root="true" ma:fieldsID="587afc94f70b507ec5be5f4d78229b0b" ns2:_="">
     <xsd:import namespace="201674f6-2bdd-4f13-ba1e-424e4aa70473"/>
@@ -8298,12 +8325,6 @@
 </ct:contentTypeSchema>
 </file>
 
-<file path=customXml/item2.xml><?xml version="1.0" encoding="utf-8"?>
-<p:properties xmlns:p="http://schemas.microsoft.com/office/2006/metadata/properties" xmlns:xsi="http://www.w3.org/2001/XMLSchema-instance" xmlns:pc="http://schemas.microsoft.com/office/infopath/2007/PartnerControls">
-  <documentManagement/>
-</p:properties>
-</file>
-
 <file path=customXml/item3.xml><?xml version="1.0" encoding="utf-8"?>
 <?mso-contentType ?>
 <FormTemplates xmlns="http://schemas.microsoft.com/sharepoint/v3/contenttype/forms">
@@ -8314,6 +8335,15 @@
 </file>
 
 <file path=customXml/itemProps1.xml><?xml version="1.0" encoding="utf-8"?>
+<ds:datastoreItem xmlns:ds="http://schemas.openxmlformats.org/officeDocument/2006/customXml" ds:itemID="{53C409AC-F4A9-48A5-9842-B8C391BC6DED}">
+  <ds:schemaRefs>
+    <ds:schemaRef ds:uri="http://schemas.microsoft.com/office/2006/metadata/properties"/>
+    <ds:schemaRef ds:uri="http://schemas.microsoft.com/office/infopath/2007/PartnerControls"/>
+  </ds:schemaRefs>
+</ds:datastoreItem>
+</file>
+
+<file path=customXml/itemProps2.xml><?xml version="1.0" encoding="utf-8"?>
 <ds:datastoreItem xmlns:ds="http://schemas.openxmlformats.org/officeDocument/2006/customXml" ds:itemID="{AD498D5E-C53E-4B60-A301-18929654B5F8}">
   <ds:schemaRefs>
     <ds:schemaRef ds:uri="http://schemas.microsoft.com/office/2006/metadata/contentType"/>
@@ -8331,15 +8361,6 @@
 </ds:datastoreItem>
 </file>
 
-<file path=customXml/itemProps2.xml><?xml version="1.0" encoding="utf-8"?>
-<ds:datastoreItem xmlns:ds="http://schemas.openxmlformats.org/officeDocument/2006/customXml" ds:itemID="{53C409AC-F4A9-48A5-9842-B8C391BC6DED}">
-  <ds:schemaRefs>
-    <ds:schemaRef ds:uri="http://schemas.microsoft.com/office/2006/metadata/properties"/>
-    <ds:schemaRef ds:uri="http://schemas.microsoft.com/office/infopath/2007/PartnerControls"/>
-  </ds:schemaRefs>
-</ds:datastoreItem>
-</file>
-
 <file path=customXml/itemProps3.xml><?xml version="1.0" encoding="utf-8"?>
 <ds:datastoreItem xmlns:ds="http://schemas.openxmlformats.org/officeDocument/2006/customXml" ds:itemID="{3CB8179A-3C5B-4DD5-887D-2568AF4E10D8}">
   <ds:schemaRefs>

--- a/ClassMaterials/EventBasedProgramming/Slides/Part1-InterfaceReview.pptx
+++ b/ClassMaterials/EventBasedProgramming/Slides/Part1-InterfaceReview.pptx
@@ -166,32 +166,16 @@
 </p:presentation>
 </file>
 
+<file path=ppt/revisionInfo.xml><?xml version="1.0" encoding="utf-8"?>
+<p1510:revInfo xmlns:a="http://schemas.openxmlformats.org/drawingml/2006/main" xmlns:r="http://schemas.openxmlformats.org/officeDocument/2006/relationships" xmlns:p1510="http://schemas.microsoft.com/office/powerpoint/2015/10/main">
+  <p1510:revLst>
+    <p1510:client id="{8499BA59-1E0C-4156-BC6F-91B9428AF3F6}" v="6" dt="2021-10-07T12:50:40.995"/>
+  </p1510:revLst>
+</p1510:revInfo>
+</file>
+
 <file path=ppt/changesInfos/changesInfo1.xml><?xml version="1.0" encoding="utf-8"?>
 <pc:chgInfo xmlns:a="http://schemas.openxmlformats.org/drawingml/2006/main" xmlns:r="http://schemas.openxmlformats.org/officeDocument/2006/relationships" xmlns:ac="http://schemas.microsoft.com/office/drawing/2013/main/command" xmlns:pc="http://schemas.microsoft.com/office/powerpoint/2013/main/command">
-  <pc:docChgLst>
-    <pc:chgData name="Yoder, Jason" userId="28f4d4d8-da04-4f86-b14d-a21675737bc5" providerId="ADAL" clId="{1D3A8B93-E02B-4FF7-A14D-5009DCE24F61}"/>
-    <pc:docChg chg="modSld">
-      <pc:chgData name="Yoder, Jason" userId="28f4d4d8-da04-4f86-b14d-a21675737bc5" providerId="ADAL" clId="{1D3A8B93-E02B-4FF7-A14D-5009DCE24F61}" dt="2023-09-03T17:49:41.676" v="11" actId="20577"/>
-      <pc:docMkLst>
-        <pc:docMk/>
-      </pc:docMkLst>
-      <pc:sldChg chg="modSp mod">
-        <pc:chgData name="Yoder, Jason" userId="28f4d4d8-da04-4f86-b14d-a21675737bc5" providerId="ADAL" clId="{1D3A8B93-E02B-4FF7-A14D-5009DCE24F61}" dt="2023-09-03T17:49:41.676" v="11" actId="20577"/>
-        <pc:sldMkLst>
-          <pc:docMk/>
-          <pc:sldMk cId="0" sldId="256"/>
-        </pc:sldMkLst>
-        <pc:spChg chg="mod">
-          <ac:chgData name="Yoder, Jason" userId="28f4d4d8-da04-4f86-b14d-a21675737bc5" providerId="ADAL" clId="{1D3A8B93-E02B-4FF7-A14D-5009DCE24F61}" dt="2023-09-03T17:49:41.676" v="11" actId="20577"/>
-          <ac:spMkLst>
-            <pc:docMk/>
-            <pc:sldMk cId="0" sldId="256"/>
-            <ac:spMk id="3" creationId="{BE4C00AB-C55D-DD34-B7F1-40C0F2C378F8}"/>
-          </ac:spMkLst>
-        </pc:spChg>
-      </pc:sldChg>
-    </pc:docChg>
-  </pc:docChgLst>
   <pc:docChgLst>
     <pc:chgData name="Korinek, Adam" userId="S::korineaj@rose-hulman.edu::a98ddd77-be9c-4186-9ea9-5e52026b75b2" providerId="AD" clId="Web-{8499BA59-1E0C-4156-BC6F-91B9428AF3F6}"/>
     <pc:docChg chg="modSld">
@@ -336,7 +320,7 @@
               <a:pPr>
                 <a:defRPr/>
               </a:pPr>
-              <a:t>9/3/2023</a:t>
+              <a:t>11/22/2022</a:t>
             </a:fld>
             <a:endParaRPr lang="en-US"/>
           </a:p>
@@ -571,7 +555,7 @@
               <a:pPr>
                 <a:defRPr/>
               </a:pPr>
-              <a:t>9/3/2023</a:t>
+              <a:t>11/22/2022</a:t>
             </a:fld>
             <a:endParaRPr lang="en-US"/>
           </a:p>
@@ -954,7 +938,7 @@
           </a:ln>
           <a:extLst>
             <a:ext uri="{909E8E84-426E-40dd-AFC4-6F175D3DCCD1}">
-              <a14:hiddenFill xmlns="" xmlns:a14="http://schemas.microsoft.com/office/drawing/2010/main">
+              <a14:hiddenFill xmlns:a14="http://schemas.microsoft.com/office/drawing/2010/main" xmlns="">
                 <a:solidFill>
                   <a:srgbClr val="FFFFFF"/>
                 </a:solidFill>
@@ -978,14 +962,14 @@
           <a:ln/>
           <a:extLst>
             <a:ext uri="{909E8E84-426E-40dd-AFC4-6F175D3DCCD1}">
-              <a14:hiddenFill xmlns="" xmlns:a14="http://schemas.microsoft.com/office/drawing/2010/main">
+              <a14:hiddenFill xmlns:a14="http://schemas.microsoft.com/office/drawing/2010/main" xmlns="">
                 <a:solidFill>
                   <a:srgbClr val="FFFFFF"/>
                 </a:solidFill>
               </a14:hiddenFill>
             </a:ext>
             <a:ext uri="{91240B29-F687-4f45-9708-019B960494DF}">
-              <a14:hiddenLine xmlns="" xmlns:a14="http://schemas.microsoft.com/office/drawing/2010/main" w="9525">
+              <a14:hiddenLine xmlns:a14="http://schemas.microsoft.com/office/drawing/2010/main" xmlns="" w="9525">
                 <a:solidFill>
                   <a:srgbClr val="000000"/>
                 </a:solidFill>
@@ -1066,14 +1050,14 @@
           <a:ln/>
           <a:extLst>
             <a:ext uri="{909E8E84-426E-40dd-AFC4-6F175D3DCCD1}">
-              <a14:hiddenFill xmlns="" xmlns:a14="http://schemas.microsoft.com/office/drawing/2010/main">
+              <a14:hiddenFill xmlns:a14="http://schemas.microsoft.com/office/drawing/2010/main" xmlns="">
                 <a:solidFill>
                   <a:srgbClr val="FFFFFF"/>
                 </a:solidFill>
               </a14:hiddenFill>
             </a:ext>
             <a:ext uri="{91240B29-F687-4f45-9708-019B960494DF}">
-              <a14:hiddenLine xmlns="" xmlns:a14="http://schemas.microsoft.com/office/drawing/2010/main" w="9525">
+              <a14:hiddenLine xmlns:a14="http://schemas.microsoft.com/office/drawing/2010/main" xmlns="" w="9525">
                 <a:solidFill>
                   <a:srgbClr val="000000"/>
                 </a:solidFill>
@@ -1819,7 +1803,7 @@
               <a:pPr>
                 <a:defRPr/>
               </a:pPr>
-              <a:t>Sunday, September 3, 2023</a:t>
+              <a:t>Tuesday, November 22, 2022</a:t>
             </a:fld>
             <a:endParaRPr lang="en-US"/>
           </a:p>
@@ -2002,7 +1986,7 @@
               <a:pPr>
                 <a:defRPr/>
               </a:pPr>
-              <a:t>Sunday, September 3, 2023</a:t>
+              <a:t>Tuesday, November 22, 2022</a:t>
             </a:fld>
             <a:endParaRPr lang="en-US"/>
           </a:p>
@@ -2195,7 +2179,7 @@
               <a:pPr>
                 <a:defRPr/>
               </a:pPr>
-              <a:t>Sunday, September 3, 2023</a:t>
+              <a:t>Tuesday, November 22, 2022</a:t>
             </a:fld>
             <a:endParaRPr lang="en-US"/>
           </a:p>
@@ -2378,7 +2362,7 @@
               <a:pPr>
                 <a:defRPr/>
               </a:pPr>
-              <a:t>Sunday, September 3, 2023</a:t>
+              <a:t>Tuesday, November 22, 2022</a:t>
             </a:fld>
             <a:endParaRPr lang="en-US"/>
           </a:p>
@@ -2638,7 +2622,7 @@
               <a:pPr>
                 <a:defRPr/>
               </a:pPr>
-              <a:t>Sunday, September 3, 2023</a:t>
+              <a:t>Tuesday, November 22, 2022</a:t>
             </a:fld>
             <a:endParaRPr lang="en-US"/>
           </a:p>
@@ -2938,7 +2922,7 @@
               <a:pPr>
                 <a:defRPr/>
               </a:pPr>
-              <a:t>Sunday, September 3, 2023</a:t>
+              <a:t>Tuesday, November 22, 2022</a:t>
             </a:fld>
             <a:endParaRPr lang="en-US"/>
           </a:p>
@@ -3372,7 +3356,7 @@
               <a:pPr>
                 <a:defRPr/>
               </a:pPr>
-              <a:t>Sunday, September 3, 2023</a:t>
+              <a:t>Tuesday, November 22, 2022</a:t>
             </a:fld>
             <a:endParaRPr lang="en-US"/>
           </a:p>
@@ -3504,7 +3488,7 @@
               <a:pPr>
                 <a:defRPr/>
               </a:pPr>
-              <a:t>Sunday, September 3, 2023</a:t>
+              <a:t>Tuesday, November 22, 2022</a:t>
             </a:fld>
             <a:endParaRPr lang="en-US"/>
           </a:p>
@@ -3614,7 +3598,7 @@
               <a:pPr>
                 <a:defRPr/>
               </a:pPr>
-              <a:t>Sunday, September 3, 2023</a:t>
+              <a:t>Tuesday, November 22, 2022</a:t>
             </a:fld>
             <a:endParaRPr lang="en-US"/>
           </a:p>
@@ -3904,7 +3888,7 @@
               <a:pPr>
                 <a:defRPr/>
               </a:pPr>
-              <a:t>Sunday, September 3, 2023</a:t>
+              <a:t>Tuesday, November 22, 2022</a:t>
             </a:fld>
             <a:endParaRPr lang="en-US"/>
           </a:p>
@@ -4171,7 +4155,7 @@
               <a:pPr>
                 <a:defRPr/>
               </a:pPr>
-              <a:t>Sunday, September 3, 2023</a:t>
+              <a:t>Tuesday, November 22, 2022</a:t>
             </a:fld>
             <a:endParaRPr lang="en-US"/>
           </a:p>
@@ -4397,7 +4381,7 @@
               <a:pPr>
                 <a:defRPr/>
               </a:pPr>
-              <a:t>Sunday, September 3, 2023</a:t>
+              <a:t>Tuesday, November 22, 2022</a:t>
             </a:fld>
             <a:endParaRPr lang="en-US"/>
           </a:p>
@@ -4985,18 +4969,13 @@
           </a:p>
           <a:p>
             <a:r>
-              <a:rPr lang="en-US" sz="4400" dirty="0" err="1">
+              <a:rPr lang="en-US" sz="4400" dirty="0">
                 <a:highlight>
                   <a:srgbClr val="FFFF00"/>
                 </a:highlight>
               </a:rPr>
-              <a:t>runonclick</a:t>
-            </a:r>
-            <a:endParaRPr lang="en-US" sz="4400" dirty="0">
-              <a:highlight>
-                <a:srgbClr val="FFFF00"/>
-              </a:highlight>
-            </a:endParaRPr>
+              <a:t>__________</a:t>
+            </a:r>
           </a:p>
         </p:txBody>
       </p:sp>
@@ -8150,12 +8129,6 @@
 </file>
 
 <file path=customXml/item1.xml><?xml version="1.0" encoding="utf-8"?>
-<p:properties xmlns:p="http://schemas.microsoft.com/office/2006/metadata/properties" xmlns:xsi="http://www.w3.org/2001/XMLSchema-instance" xmlns:pc="http://schemas.microsoft.com/office/infopath/2007/PartnerControls">
-  <documentManagement/>
-</p:properties>
-</file>
-
-<file path=customXml/item2.xml><?xml version="1.0" encoding="utf-8"?>
 <ct:contentTypeSchema xmlns:ct="http://schemas.microsoft.com/office/2006/metadata/contentType" xmlns:ma="http://schemas.microsoft.com/office/2006/metadata/properties/metaAttributes" ct:_="" ma:_="" ma:contentTypeName="Document" ma:contentTypeID="0x0101001570BCAAD2E4294F9443DCB038A55380" ma:contentTypeVersion="8" ma:contentTypeDescription="Create a new document." ma:contentTypeScope="" ma:versionID="9523c79d6bab9e2ad858b5223ec5ed94">
   <xsd:schema xmlns:xsd="http://www.w3.org/2001/XMLSchema" xmlns:xs="http://www.w3.org/2001/XMLSchema" xmlns:p="http://schemas.microsoft.com/office/2006/metadata/properties" xmlns:ns2="201674f6-2bdd-4f13-ba1e-424e4aa70473" targetNamespace="http://schemas.microsoft.com/office/2006/metadata/properties" ma:root="true" ma:fieldsID="587afc94f70b507ec5be5f4d78229b0b" ns2:_="">
     <xsd:import namespace="201674f6-2bdd-4f13-ba1e-424e4aa70473"/>
@@ -8325,6 +8298,12 @@
 </ct:contentTypeSchema>
 </file>
 
+<file path=customXml/item2.xml><?xml version="1.0" encoding="utf-8"?>
+<p:properties xmlns:p="http://schemas.microsoft.com/office/2006/metadata/properties" xmlns:xsi="http://www.w3.org/2001/XMLSchema-instance" xmlns:pc="http://schemas.microsoft.com/office/infopath/2007/PartnerControls">
+  <documentManagement/>
+</p:properties>
+</file>
+
 <file path=customXml/item3.xml><?xml version="1.0" encoding="utf-8"?>
 <?mso-contentType ?>
 <FormTemplates xmlns="http://schemas.microsoft.com/sharepoint/v3/contenttype/forms">
@@ -8335,15 +8314,6 @@
 </file>
 
 <file path=customXml/itemProps1.xml><?xml version="1.0" encoding="utf-8"?>
-<ds:datastoreItem xmlns:ds="http://schemas.openxmlformats.org/officeDocument/2006/customXml" ds:itemID="{53C409AC-F4A9-48A5-9842-B8C391BC6DED}">
-  <ds:schemaRefs>
-    <ds:schemaRef ds:uri="http://schemas.microsoft.com/office/2006/metadata/properties"/>
-    <ds:schemaRef ds:uri="http://schemas.microsoft.com/office/infopath/2007/PartnerControls"/>
-  </ds:schemaRefs>
-</ds:datastoreItem>
-</file>
-
-<file path=customXml/itemProps2.xml><?xml version="1.0" encoding="utf-8"?>
 <ds:datastoreItem xmlns:ds="http://schemas.openxmlformats.org/officeDocument/2006/customXml" ds:itemID="{AD498D5E-C53E-4B60-A301-18929654B5F8}">
   <ds:schemaRefs>
     <ds:schemaRef ds:uri="http://schemas.microsoft.com/office/2006/metadata/contentType"/>
@@ -8361,6 +8331,15 @@
 </ds:datastoreItem>
 </file>
 
+<file path=customXml/itemProps2.xml><?xml version="1.0" encoding="utf-8"?>
+<ds:datastoreItem xmlns:ds="http://schemas.openxmlformats.org/officeDocument/2006/customXml" ds:itemID="{53C409AC-F4A9-48A5-9842-B8C391BC6DED}">
+  <ds:schemaRefs>
+    <ds:schemaRef ds:uri="http://schemas.microsoft.com/office/2006/metadata/properties"/>
+    <ds:schemaRef ds:uri="http://schemas.microsoft.com/office/infopath/2007/PartnerControls"/>
+  </ds:schemaRefs>
+</ds:datastoreItem>
+</file>
+
 <file path=customXml/itemProps3.xml><?xml version="1.0" encoding="utf-8"?>
 <ds:datastoreItem xmlns:ds="http://schemas.openxmlformats.org/officeDocument/2006/customXml" ds:itemID="{3CB8179A-3C5B-4DD5-887D-2568AF4E10D8}">
   <ds:schemaRefs>

--- a/ClassMaterials/EventBasedProgramming/Slides/Part1-InterfaceReview.pptx
+++ b/ClassMaterials/EventBasedProgramming/Slides/Part1-InterfaceReview.pptx
@@ -166,14 +166,6 @@
 </p:presentation>
 </file>
 
-<file path=ppt/revisionInfo.xml><?xml version="1.0" encoding="utf-8"?>
-<p1510:revInfo xmlns:a="http://schemas.openxmlformats.org/drawingml/2006/main" xmlns:r="http://schemas.openxmlformats.org/officeDocument/2006/relationships" xmlns:p1510="http://schemas.microsoft.com/office/powerpoint/2015/10/main">
-  <p1510:revLst>
-    <p1510:client id="{8499BA59-1E0C-4156-BC6F-91B9428AF3F6}" v="6" dt="2021-10-07T12:50:40.995"/>
-  </p1510:revLst>
-</p1510:revInfo>
-</file>
-
 <file path=ppt/changesInfos/changesInfo1.xml><?xml version="1.0" encoding="utf-8"?>
 <pc:chgInfo xmlns:a="http://schemas.openxmlformats.org/drawingml/2006/main" xmlns:r="http://schemas.openxmlformats.org/officeDocument/2006/relationships" xmlns:ac="http://schemas.microsoft.com/office/drawing/2013/main/command" xmlns:pc="http://schemas.microsoft.com/office/powerpoint/2013/main/command">
   <pc:docChgLst>
@@ -195,6 +187,30 @@
             <pc:docMk/>
             <pc:sldMk cId="1512040240" sldId="380"/>
             <ac:spMk id="3" creationId="{00000000-0000-0000-0000-000000000000}"/>
+          </ac:spMkLst>
+        </pc:spChg>
+      </pc:sldChg>
+    </pc:docChg>
+  </pc:docChgLst>
+  <pc:docChgLst>
+    <pc:chgData name="Yoder, Jason" userId="28f4d4d8-da04-4f86-b14d-a21675737bc5" providerId="ADAL" clId="{7CA038F7-D685-4C83-9D06-CE4A93A3B711}"/>
+    <pc:docChg chg="modSld">
+      <pc:chgData name="Yoder, Jason" userId="28f4d4d8-da04-4f86-b14d-a21675737bc5" providerId="ADAL" clId="{7CA038F7-D685-4C83-9D06-CE4A93A3B711}" dt="2023-11-21T17:24:19.445" v="54" actId="6549"/>
+      <pc:docMkLst>
+        <pc:docMk/>
+      </pc:docMkLst>
+      <pc:sldChg chg="modSp mod">
+        <pc:chgData name="Yoder, Jason" userId="28f4d4d8-da04-4f86-b14d-a21675737bc5" providerId="ADAL" clId="{7CA038F7-D685-4C83-9D06-CE4A93A3B711}" dt="2023-11-21T17:24:19.445" v="54" actId="6549"/>
+        <pc:sldMkLst>
+          <pc:docMk/>
+          <pc:sldMk cId="0" sldId="256"/>
+        </pc:sldMkLst>
+        <pc:spChg chg="mod">
+          <ac:chgData name="Yoder, Jason" userId="28f4d4d8-da04-4f86-b14d-a21675737bc5" providerId="ADAL" clId="{7CA038F7-D685-4C83-9D06-CE4A93A3B711}" dt="2023-11-21T17:24:19.445" v="54" actId="6549"/>
+          <ac:spMkLst>
+            <pc:docMk/>
+            <pc:sldMk cId="0" sldId="256"/>
+            <ac:spMk id="5" creationId="{B3CCB087-C83B-2E4F-B6C1-A2651B16F44F}"/>
           </ac:spMkLst>
         </pc:spChg>
       </pc:sldChg>
@@ -320,7 +336,7 @@
               <a:pPr>
                 <a:defRPr/>
               </a:pPr>
-              <a:t>11/22/2022</a:t>
+              <a:t>11/21/2023</a:t>
             </a:fld>
             <a:endParaRPr lang="en-US"/>
           </a:p>
@@ -555,7 +571,7 @@
               <a:pPr>
                 <a:defRPr/>
               </a:pPr>
-              <a:t>11/22/2022</a:t>
+              <a:t>11/21/2023</a:t>
             </a:fld>
             <a:endParaRPr lang="en-US"/>
           </a:p>
@@ -938,7 +954,7 @@
           </a:ln>
           <a:extLst>
             <a:ext uri="{909E8E84-426E-40dd-AFC4-6F175D3DCCD1}">
-              <a14:hiddenFill xmlns:a14="http://schemas.microsoft.com/office/drawing/2010/main" xmlns="">
+              <a14:hiddenFill xmlns="" xmlns:a14="http://schemas.microsoft.com/office/drawing/2010/main">
                 <a:solidFill>
                   <a:srgbClr val="FFFFFF"/>
                 </a:solidFill>
@@ -962,14 +978,14 @@
           <a:ln/>
           <a:extLst>
             <a:ext uri="{909E8E84-426E-40dd-AFC4-6F175D3DCCD1}">
-              <a14:hiddenFill xmlns:a14="http://schemas.microsoft.com/office/drawing/2010/main" xmlns="">
+              <a14:hiddenFill xmlns="" xmlns:a14="http://schemas.microsoft.com/office/drawing/2010/main">
                 <a:solidFill>
                   <a:srgbClr val="FFFFFF"/>
                 </a:solidFill>
               </a14:hiddenFill>
             </a:ext>
             <a:ext uri="{91240B29-F687-4f45-9708-019B960494DF}">
-              <a14:hiddenLine xmlns:a14="http://schemas.microsoft.com/office/drawing/2010/main" xmlns="" w="9525">
+              <a14:hiddenLine xmlns="" xmlns:a14="http://schemas.microsoft.com/office/drawing/2010/main" w="9525">
                 <a:solidFill>
                   <a:srgbClr val="000000"/>
                 </a:solidFill>
@@ -1050,14 +1066,14 @@
           <a:ln/>
           <a:extLst>
             <a:ext uri="{909E8E84-426E-40dd-AFC4-6F175D3DCCD1}">
-              <a14:hiddenFill xmlns:a14="http://schemas.microsoft.com/office/drawing/2010/main" xmlns="">
+              <a14:hiddenFill xmlns="" xmlns:a14="http://schemas.microsoft.com/office/drawing/2010/main">
                 <a:solidFill>
                   <a:srgbClr val="FFFFFF"/>
                 </a:solidFill>
               </a14:hiddenFill>
             </a:ext>
             <a:ext uri="{91240B29-F687-4f45-9708-019B960494DF}">
-              <a14:hiddenLine xmlns:a14="http://schemas.microsoft.com/office/drawing/2010/main" xmlns="" w="9525">
+              <a14:hiddenLine xmlns="" xmlns:a14="http://schemas.microsoft.com/office/drawing/2010/main" w="9525">
                 <a:solidFill>
                   <a:srgbClr val="000000"/>
                 </a:solidFill>
@@ -1803,7 +1819,7 @@
               <a:pPr>
                 <a:defRPr/>
               </a:pPr>
-              <a:t>Tuesday, November 22, 2022</a:t>
+              <a:t>Tuesday, November 21, 2023</a:t>
             </a:fld>
             <a:endParaRPr lang="en-US"/>
           </a:p>
@@ -1986,7 +2002,7 @@
               <a:pPr>
                 <a:defRPr/>
               </a:pPr>
-              <a:t>Tuesday, November 22, 2022</a:t>
+              <a:t>Tuesday, November 21, 2023</a:t>
             </a:fld>
             <a:endParaRPr lang="en-US"/>
           </a:p>
@@ -2179,7 +2195,7 @@
               <a:pPr>
                 <a:defRPr/>
               </a:pPr>
-              <a:t>Tuesday, November 22, 2022</a:t>
+              <a:t>Tuesday, November 21, 2023</a:t>
             </a:fld>
             <a:endParaRPr lang="en-US"/>
           </a:p>
@@ -2362,7 +2378,7 @@
               <a:pPr>
                 <a:defRPr/>
               </a:pPr>
-              <a:t>Tuesday, November 22, 2022</a:t>
+              <a:t>Tuesday, November 21, 2023</a:t>
             </a:fld>
             <a:endParaRPr lang="en-US"/>
           </a:p>
@@ -2622,7 +2638,7 @@
               <a:pPr>
                 <a:defRPr/>
               </a:pPr>
-              <a:t>Tuesday, November 22, 2022</a:t>
+              <a:t>Tuesday, November 21, 2023</a:t>
             </a:fld>
             <a:endParaRPr lang="en-US"/>
           </a:p>
@@ -2922,7 +2938,7 @@
               <a:pPr>
                 <a:defRPr/>
               </a:pPr>
-              <a:t>Tuesday, November 22, 2022</a:t>
+              <a:t>Tuesday, November 21, 2023</a:t>
             </a:fld>
             <a:endParaRPr lang="en-US"/>
           </a:p>
@@ -3356,7 +3372,7 @@
               <a:pPr>
                 <a:defRPr/>
               </a:pPr>
-              <a:t>Tuesday, November 22, 2022</a:t>
+              <a:t>Tuesday, November 21, 2023</a:t>
             </a:fld>
             <a:endParaRPr lang="en-US"/>
           </a:p>
@@ -3488,7 +3504,7 @@
               <a:pPr>
                 <a:defRPr/>
               </a:pPr>
-              <a:t>Tuesday, November 22, 2022</a:t>
+              <a:t>Tuesday, November 21, 2023</a:t>
             </a:fld>
             <a:endParaRPr lang="en-US"/>
           </a:p>
@@ -3598,7 +3614,7 @@
               <a:pPr>
                 <a:defRPr/>
               </a:pPr>
-              <a:t>Tuesday, November 22, 2022</a:t>
+              <a:t>Tuesday, November 21, 2023</a:t>
             </a:fld>
             <a:endParaRPr lang="en-US"/>
           </a:p>
@@ -3888,7 +3904,7 @@
               <a:pPr>
                 <a:defRPr/>
               </a:pPr>
-              <a:t>Tuesday, November 22, 2022</a:t>
+              <a:t>Tuesday, November 21, 2023</a:t>
             </a:fld>
             <a:endParaRPr lang="en-US"/>
           </a:p>
@@ -4155,7 +4171,7 @@
               <a:pPr>
                 <a:defRPr/>
               </a:pPr>
-              <a:t>Tuesday, November 22, 2022</a:t>
+              <a:t>Tuesday, November 21, 2023</a:t>
             </a:fld>
             <a:endParaRPr lang="en-US"/>
           </a:p>
@@ -4381,7 +4397,7 @@
               <a:pPr>
                 <a:defRPr/>
               </a:pPr>
-              <a:t>Tuesday, November 22, 2022</a:t>
+              <a:t>Tuesday, November 21, 2023</a:t>
             </a:fld>
             <a:endParaRPr lang="en-US"/>
           </a:p>
@@ -4834,8 +4850,8 @@
         </p:nvSpPr>
         <p:spPr>
           <a:xfrm>
-            <a:off x="304800" y="5105400"/>
-            <a:ext cx="8534400" cy="1295400"/>
+            <a:off x="304800" y="4404360"/>
+            <a:ext cx="8534400" cy="1996440"/>
           </a:xfrm>
           <a:prstGeom prst="rect">
             <a:avLst/>
@@ -4908,6 +4924,43 @@
             <a:r>
               <a:rPr lang="en-US" sz="2400" i="1" dirty="0" err="1"/>
               <a:t>PracticeEventBasedProgrammingSolution</a:t>
+            </a:r>
+            <a:endParaRPr lang="en-US" sz="2400" i="1" dirty="0"/>
+          </a:p>
+          <a:p>
+            <a:r>
+              <a:rPr lang="en-US" sz="2400" dirty="0">
+                <a:solidFill>
+                  <a:srgbClr val="FFFFFF"/>
+                </a:solidFill>
+              </a:rPr>
+              <a:t>The </a:t>
+            </a:r>
+            <a:r>
+              <a:rPr lang="en-US" sz="2400" i="1" dirty="0">
+                <a:solidFill>
+                  <a:srgbClr val="FFFFFF"/>
+                </a:solidFill>
+              </a:rPr>
+              <a:t>Quiz </a:t>
+            </a:r>
+            <a:r>
+              <a:rPr lang="en-US" sz="2400" dirty="0">
+                <a:solidFill>
+                  <a:srgbClr val="FFFFFF"/>
+                </a:solidFill>
+              </a:rPr>
+              <a:t>today is:</a:t>
+            </a:r>
+          </a:p>
+          <a:p>
+            <a:pPr marL="342900" indent="-342900">
+              <a:buFont typeface="Arial" panose="020B0604020202020204" pitchFamily="34" charset="0"/>
+              <a:buChar char="•"/>
+            </a:pPr>
+            <a:r>
+              <a:rPr lang="en-US" sz="2400" i="1" dirty="0" err="1"/>
+              <a:t>EventBasedProgrammingQuiz</a:t>
             </a:r>
             <a:endParaRPr lang="en-US" sz="2400" i="1" dirty="0"/>
           </a:p>
@@ -8129,6 +8182,21 @@
 </file>
 
 <file path=customXml/item1.xml><?xml version="1.0" encoding="utf-8"?>
+<?mso-contentType ?>
+<FormTemplates xmlns="http://schemas.microsoft.com/sharepoint/v3/contenttype/forms">
+  <Display>DocumentLibraryForm</Display>
+  <Edit>DocumentLibraryForm</Edit>
+  <New>DocumentLibraryForm</New>
+</FormTemplates>
+</file>
+
+<file path=customXml/item2.xml><?xml version="1.0" encoding="utf-8"?>
+<p:properties xmlns:p="http://schemas.microsoft.com/office/2006/metadata/properties" xmlns:xsi="http://www.w3.org/2001/XMLSchema-instance" xmlns:pc="http://schemas.microsoft.com/office/infopath/2007/PartnerControls">
+  <documentManagement/>
+</p:properties>
+</file>
+
+<file path=customXml/item3.xml><?xml version="1.0" encoding="utf-8"?>
 <ct:contentTypeSchema xmlns:ct="http://schemas.microsoft.com/office/2006/metadata/contentType" xmlns:ma="http://schemas.microsoft.com/office/2006/metadata/properties/metaAttributes" ct:_="" ma:_="" ma:contentTypeName="Document" ma:contentTypeID="0x0101001570BCAAD2E4294F9443DCB038A55380" ma:contentTypeVersion="8" ma:contentTypeDescription="Create a new document." ma:contentTypeScope="" ma:versionID="9523c79d6bab9e2ad858b5223ec5ed94">
   <xsd:schema xmlns:xsd="http://www.w3.org/2001/XMLSchema" xmlns:xs="http://www.w3.org/2001/XMLSchema" xmlns:p="http://schemas.microsoft.com/office/2006/metadata/properties" xmlns:ns2="201674f6-2bdd-4f13-ba1e-424e4aa70473" targetNamespace="http://schemas.microsoft.com/office/2006/metadata/properties" ma:root="true" ma:fieldsID="587afc94f70b507ec5be5f4d78229b0b" ns2:_="">
     <xsd:import namespace="201674f6-2bdd-4f13-ba1e-424e4aa70473"/>
@@ -8298,22 +8366,24 @@
 </ct:contentTypeSchema>
 </file>
 
-<file path=customXml/item2.xml><?xml version="1.0" encoding="utf-8"?>
-<p:properties xmlns:p="http://schemas.microsoft.com/office/2006/metadata/properties" xmlns:xsi="http://www.w3.org/2001/XMLSchema-instance" xmlns:pc="http://schemas.microsoft.com/office/infopath/2007/PartnerControls">
-  <documentManagement/>
-</p:properties>
+<file path=customXml/itemProps1.xml><?xml version="1.0" encoding="utf-8"?>
+<ds:datastoreItem xmlns:ds="http://schemas.openxmlformats.org/officeDocument/2006/customXml" ds:itemID="{3CB8179A-3C5B-4DD5-887D-2568AF4E10D8}">
+  <ds:schemaRefs>
+    <ds:schemaRef ds:uri="http://schemas.microsoft.com/sharepoint/v3/contenttype/forms"/>
+  </ds:schemaRefs>
+</ds:datastoreItem>
 </file>
 
-<file path=customXml/item3.xml><?xml version="1.0" encoding="utf-8"?>
-<?mso-contentType ?>
-<FormTemplates xmlns="http://schemas.microsoft.com/sharepoint/v3/contenttype/forms">
-  <Display>DocumentLibraryForm</Display>
-  <Edit>DocumentLibraryForm</Edit>
-  <New>DocumentLibraryForm</New>
-</FormTemplates>
+<file path=customXml/itemProps2.xml><?xml version="1.0" encoding="utf-8"?>
+<ds:datastoreItem xmlns:ds="http://schemas.openxmlformats.org/officeDocument/2006/customXml" ds:itemID="{53C409AC-F4A9-48A5-9842-B8C391BC6DED}">
+  <ds:schemaRefs>
+    <ds:schemaRef ds:uri="http://schemas.microsoft.com/office/2006/metadata/properties"/>
+    <ds:schemaRef ds:uri="http://schemas.microsoft.com/office/infopath/2007/PartnerControls"/>
+  </ds:schemaRefs>
+</ds:datastoreItem>
 </file>
 
-<file path=customXml/itemProps1.xml><?xml version="1.0" encoding="utf-8"?>
+<file path=customXml/itemProps3.xml><?xml version="1.0" encoding="utf-8"?>
 <ds:datastoreItem xmlns:ds="http://schemas.openxmlformats.org/officeDocument/2006/customXml" ds:itemID="{AD498D5E-C53E-4B60-A301-18929654B5F8}">
   <ds:schemaRefs>
     <ds:schemaRef ds:uri="http://schemas.microsoft.com/office/2006/metadata/contentType"/>
@@ -8329,21 +8399,4 @@
     <ds:schemaRef ds:uri="http://schemas.microsoft.com/internal/obd"/>
   </ds:schemaRefs>
 </ds:datastoreItem>
-</file>
-
-<file path=customXml/itemProps2.xml><?xml version="1.0" encoding="utf-8"?>
-<ds:datastoreItem xmlns:ds="http://schemas.openxmlformats.org/officeDocument/2006/customXml" ds:itemID="{53C409AC-F4A9-48A5-9842-B8C391BC6DED}">
-  <ds:schemaRefs>
-    <ds:schemaRef ds:uri="http://schemas.microsoft.com/office/2006/metadata/properties"/>
-    <ds:schemaRef ds:uri="http://schemas.microsoft.com/office/infopath/2007/PartnerControls"/>
-  </ds:schemaRefs>
-</ds:datastoreItem>
-</file>
-
-<file path=customXml/itemProps3.xml><?xml version="1.0" encoding="utf-8"?>
-<ds:datastoreItem xmlns:ds="http://schemas.openxmlformats.org/officeDocument/2006/customXml" ds:itemID="{3CB8179A-3C5B-4DD5-887D-2568AF4E10D8}">
-  <ds:schemaRefs>
-    <ds:schemaRef ds:uri="http://schemas.microsoft.com/sharepoint/v3/contenttype/forms"/>
-  </ds:schemaRefs>
-</ds:datastoreItem>
 </file>
--- a/ClassMaterials/EventBasedProgramming/Slides/Part1-InterfaceReview.pptx
+++ b/ClassMaterials/EventBasedProgramming/Slides/Part1-InterfaceReview.pptx
@@ -169,6 +169,30 @@
 <file path=ppt/changesInfos/changesInfo1.xml><?xml version="1.0" encoding="utf-8"?>
 <pc:chgInfo xmlns:a="http://schemas.openxmlformats.org/drawingml/2006/main" xmlns:r="http://schemas.openxmlformats.org/officeDocument/2006/relationships" xmlns:ac="http://schemas.microsoft.com/office/drawing/2013/main/command" xmlns:pc="http://schemas.microsoft.com/office/powerpoint/2013/main/command">
   <pc:docChgLst>
+    <pc:chgData name="Yoder, Jason" userId="28f4d4d8-da04-4f86-b14d-a21675737bc5" providerId="ADAL" clId="{7CA038F7-D685-4C83-9D06-CE4A93A3B711}"/>
+    <pc:docChg chg="modSld">
+      <pc:chgData name="Yoder, Jason" userId="28f4d4d8-da04-4f86-b14d-a21675737bc5" providerId="ADAL" clId="{7CA038F7-D685-4C83-9D06-CE4A93A3B711}" dt="2023-11-21T17:24:19.445" v="54" actId="6549"/>
+      <pc:docMkLst>
+        <pc:docMk/>
+      </pc:docMkLst>
+      <pc:sldChg chg="modSp mod">
+        <pc:chgData name="Yoder, Jason" userId="28f4d4d8-da04-4f86-b14d-a21675737bc5" providerId="ADAL" clId="{7CA038F7-D685-4C83-9D06-CE4A93A3B711}" dt="2023-11-21T17:24:19.445" v="54" actId="6549"/>
+        <pc:sldMkLst>
+          <pc:docMk/>
+          <pc:sldMk cId="0" sldId="256"/>
+        </pc:sldMkLst>
+        <pc:spChg chg="mod">
+          <ac:chgData name="Yoder, Jason" userId="28f4d4d8-da04-4f86-b14d-a21675737bc5" providerId="ADAL" clId="{7CA038F7-D685-4C83-9D06-CE4A93A3B711}" dt="2023-11-21T17:24:19.445" v="54" actId="6549"/>
+          <ac:spMkLst>
+            <pc:docMk/>
+            <pc:sldMk cId="0" sldId="256"/>
+            <ac:spMk id="5" creationId="{B3CCB087-C83B-2E4F-B6C1-A2651B16F44F}"/>
+          </ac:spMkLst>
+        </pc:spChg>
+      </pc:sldChg>
+    </pc:docChg>
+  </pc:docChgLst>
+  <pc:docChgLst>
     <pc:chgData name="Korinek, Adam" userId="S::korineaj@rose-hulman.edu::a98ddd77-be9c-4186-9ea9-5e52026b75b2" providerId="AD" clId="Web-{8499BA59-1E0C-4156-BC6F-91B9428AF3F6}"/>
     <pc:docChg chg="modSld">
       <pc:chgData name="Korinek, Adam" userId="S::korineaj@rose-hulman.edu::a98ddd77-be9c-4186-9ea9-5e52026b75b2" providerId="AD" clId="Web-{8499BA59-1E0C-4156-BC6F-91B9428AF3F6}" dt="2021-10-07T12:50:39.432" v="4" actId="20577"/>
@@ -187,30 +211,6 @@
             <pc:docMk/>
             <pc:sldMk cId="1512040240" sldId="380"/>
             <ac:spMk id="3" creationId="{00000000-0000-0000-0000-000000000000}"/>
-          </ac:spMkLst>
-        </pc:spChg>
-      </pc:sldChg>
-    </pc:docChg>
-  </pc:docChgLst>
-  <pc:docChgLst>
-    <pc:chgData name="Yoder, Jason" userId="28f4d4d8-da04-4f86-b14d-a21675737bc5" providerId="ADAL" clId="{7CA038F7-D685-4C83-9D06-CE4A93A3B711}"/>
-    <pc:docChg chg="modSld">
-      <pc:chgData name="Yoder, Jason" userId="28f4d4d8-da04-4f86-b14d-a21675737bc5" providerId="ADAL" clId="{7CA038F7-D685-4C83-9D06-CE4A93A3B711}" dt="2023-11-21T17:24:19.445" v="54" actId="6549"/>
-      <pc:docMkLst>
-        <pc:docMk/>
-      </pc:docMkLst>
-      <pc:sldChg chg="modSp mod">
-        <pc:chgData name="Yoder, Jason" userId="28f4d4d8-da04-4f86-b14d-a21675737bc5" providerId="ADAL" clId="{7CA038F7-D685-4C83-9D06-CE4A93A3B711}" dt="2023-11-21T17:24:19.445" v="54" actId="6549"/>
-        <pc:sldMkLst>
-          <pc:docMk/>
-          <pc:sldMk cId="0" sldId="256"/>
-        </pc:sldMkLst>
-        <pc:spChg chg="mod">
-          <ac:chgData name="Yoder, Jason" userId="28f4d4d8-da04-4f86-b14d-a21675737bc5" providerId="ADAL" clId="{7CA038F7-D685-4C83-9D06-CE4A93A3B711}" dt="2023-11-21T17:24:19.445" v="54" actId="6549"/>
-          <ac:spMkLst>
-            <pc:docMk/>
-            <pc:sldMk cId="0" sldId="256"/>
-            <ac:spMk id="5" creationId="{B3CCB087-C83B-2E4F-B6C1-A2651B16F44F}"/>
           </ac:spMkLst>
         </pc:spChg>
       </pc:sldChg>
@@ -336,7 +336,7 @@
               <a:pPr>
                 <a:defRPr/>
               </a:pPr>
-              <a:t>11/21/2023</a:t>
+              <a:t>1/15/2024</a:t>
             </a:fld>
             <a:endParaRPr lang="en-US"/>
           </a:p>
@@ -571,7 +571,7 @@
               <a:pPr>
                 <a:defRPr/>
               </a:pPr>
-              <a:t>11/21/2023</a:t>
+              <a:t>1/15/2024</a:t>
             </a:fld>
             <a:endParaRPr lang="en-US"/>
           </a:p>
@@ -954,7 +954,7 @@
           </a:ln>
           <a:extLst>
             <a:ext uri="{909E8E84-426E-40dd-AFC4-6F175D3DCCD1}">
-              <a14:hiddenFill xmlns="" xmlns:a14="http://schemas.microsoft.com/office/drawing/2010/main">
+              <a14:hiddenFill xmlns:a14="http://schemas.microsoft.com/office/drawing/2010/main" xmlns="">
                 <a:solidFill>
                   <a:srgbClr val="FFFFFF"/>
                 </a:solidFill>
@@ -978,14 +978,14 @@
           <a:ln/>
           <a:extLst>
             <a:ext uri="{909E8E84-426E-40dd-AFC4-6F175D3DCCD1}">
-              <a14:hiddenFill xmlns="" xmlns:a14="http://schemas.microsoft.com/office/drawing/2010/main">
+              <a14:hiddenFill xmlns:a14="http://schemas.microsoft.com/office/drawing/2010/main" xmlns="">
                 <a:solidFill>
                   <a:srgbClr val="FFFFFF"/>
                 </a:solidFill>
               </a14:hiddenFill>
             </a:ext>
             <a:ext uri="{91240B29-F687-4f45-9708-019B960494DF}">
-              <a14:hiddenLine xmlns="" xmlns:a14="http://schemas.microsoft.com/office/drawing/2010/main" w="9525">
+              <a14:hiddenLine xmlns:a14="http://schemas.microsoft.com/office/drawing/2010/main" xmlns="" w="9525">
                 <a:solidFill>
                   <a:srgbClr val="000000"/>
                 </a:solidFill>
@@ -1066,14 +1066,14 @@
           <a:ln/>
           <a:extLst>
             <a:ext uri="{909E8E84-426E-40dd-AFC4-6F175D3DCCD1}">
-              <a14:hiddenFill xmlns="" xmlns:a14="http://schemas.microsoft.com/office/drawing/2010/main">
+              <a14:hiddenFill xmlns:a14="http://schemas.microsoft.com/office/drawing/2010/main" xmlns="">
                 <a:solidFill>
                   <a:srgbClr val="FFFFFF"/>
                 </a:solidFill>
               </a14:hiddenFill>
             </a:ext>
             <a:ext uri="{91240B29-F687-4f45-9708-019B960494DF}">
-              <a14:hiddenLine xmlns="" xmlns:a14="http://schemas.microsoft.com/office/drawing/2010/main" w="9525">
+              <a14:hiddenLine xmlns:a14="http://schemas.microsoft.com/office/drawing/2010/main" xmlns="" w="9525">
                 <a:solidFill>
                   <a:srgbClr val="000000"/>
                 </a:solidFill>
@@ -1483,22 +1483,22 @@
           <a:lstStyle/>
           <a:p>
             <a:r>
-              <a:rPr lang="en-US"/>
-              <a:t>Coupling,</a:t>
-            </a:r>
-            <a:r>
-              <a:rPr lang="en-US" baseline="0"/>
+              <a:rPr lang="en-US" dirty="0"/>
+              <a:t>Correct answer is Coupling,</a:t>
+            </a:r>
+            <a:r>
+              <a:rPr lang="en-US" baseline="0" dirty="0"/>
               <a:t> a</a:t>
             </a:r>
             <a:r>
-              <a:rPr lang="en-US"/>
+              <a:rPr lang="en-US" dirty="0"/>
               <a:t>lso</a:t>
             </a:r>
             <a:r>
-              <a:rPr lang="en-US" baseline="0"/>
-              <a:t> dependencies</a:t>
-            </a:r>
-            <a:endParaRPr lang="en-US"/>
+              <a:rPr lang="en-US" baseline="0" dirty="0"/>
+              <a:t> dependencies would be a good answer</a:t>
+            </a:r>
+            <a:endParaRPr lang="en-US" dirty="0"/>
           </a:p>
         </p:txBody>
       </p:sp>
@@ -1819,7 +1819,7 @@
               <a:pPr>
                 <a:defRPr/>
               </a:pPr>
-              <a:t>Tuesday, November 21, 2023</a:t>
+              <a:t>Monday, January 15, 2024</a:t>
             </a:fld>
             <a:endParaRPr lang="en-US"/>
           </a:p>
@@ -2002,7 +2002,7 @@
               <a:pPr>
                 <a:defRPr/>
               </a:pPr>
-              <a:t>Tuesday, November 21, 2023</a:t>
+              <a:t>Monday, January 15, 2024</a:t>
             </a:fld>
             <a:endParaRPr lang="en-US"/>
           </a:p>
@@ -2195,7 +2195,7 @@
               <a:pPr>
                 <a:defRPr/>
               </a:pPr>
-              <a:t>Tuesday, November 21, 2023</a:t>
+              <a:t>Monday, January 15, 2024</a:t>
             </a:fld>
             <a:endParaRPr lang="en-US"/>
           </a:p>
@@ -2378,7 +2378,7 @@
               <a:pPr>
                 <a:defRPr/>
               </a:pPr>
-              <a:t>Tuesday, November 21, 2023</a:t>
+              <a:t>Monday, January 15, 2024</a:t>
             </a:fld>
             <a:endParaRPr lang="en-US"/>
           </a:p>
@@ -2638,7 +2638,7 @@
               <a:pPr>
                 <a:defRPr/>
               </a:pPr>
-              <a:t>Tuesday, November 21, 2023</a:t>
+              <a:t>Monday, January 15, 2024</a:t>
             </a:fld>
             <a:endParaRPr lang="en-US"/>
           </a:p>
@@ -2938,7 +2938,7 @@
               <a:pPr>
                 <a:defRPr/>
               </a:pPr>
-              <a:t>Tuesday, November 21, 2023</a:t>
+              <a:t>Monday, January 15, 2024</a:t>
             </a:fld>
             <a:endParaRPr lang="en-US"/>
           </a:p>
@@ -3372,7 +3372,7 @@
               <a:pPr>
                 <a:defRPr/>
               </a:pPr>
-              <a:t>Tuesday, November 21, 2023</a:t>
+              <a:t>Monday, January 15, 2024</a:t>
             </a:fld>
             <a:endParaRPr lang="en-US"/>
           </a:p>
@@ -3504,7 +3504,7 @@
               <a:pPr>
                 <a:defRPr/>
               </a:pPr>
-              <a:t>Tuesday, November 21, 2023</a:t>
+              <a:t>Monday, January 15, 2024</a:t>
             </a:fld>
             <a:endParaRPr lang="en-US"/>
           </a:p>
@@ -3614,7 +3614,7 @@
               <a:pPr>
                 <a:defRPr/>
               </a:pPr>
-              <a:t>Tuesday, November 21, 2023</a:t>
+              <a:t>Monday, January 15, 2024</a:t>
             </a:fld>
             <a:endParaRPr lang="en-US"/>
           </a:p>
@@ -3904,7 +3904,7 @@
               <a:pPr>
                 <a:defRPr/>
               </a:pPr>
-              <a:t>Tuesday, November 21, 2023</a:t>
+              <a:t>Monday, January 15, 2024</a:t>
             </a:fld>
             <a:endParaRPr lang="en-US"/>
           </a:p>
@@ -4171,7 +4171,7 @@
               <a:pPr>
                 <a:defRPr/>
               </a:pPr>
-              <a:t>Tuesday, November 21, 2023</a:t>
+              <a:t>Monday, January 15, 2024</a:t>
             </a:fld>
             <a:endParaRPr lang="en-US"/>
           </a:p>
@@ -4397,7 +4397,7 @@
               <a:pPr>
                 <a:defRPr/>
               </a:pPr>
-              <a:t>Tuesday, November 21, 2023</a:t>
+              <a:t>Monday, January 15, 2024</a:t>
             </a:fld>
             <a:endParaRPr lang="en-US"/>
           </a:p>
@@ -7015,7 +7015,7 @@
               <a:buNone/>
             </a:pPr>
             <a:r>
-              <a:rPr lang="en-US"/>
+              <a:rPr lang="en-US" dirty="0"/>
               <a:t>Using interfaces can help reduce _______ between classes.</a:t>
             </a:r>
           </a:p>
@@ -7025,12 +7025,9 @@
               <a:buAutoNum type="arabicPeriod"/>
             </a:pPr>
             <a:r>
-              <a:rPr lang="en-US"/>
-              <a:t>Coupling Yes</a:t>
-            </a:r>
-            <a:endParaRPr lang="en-US">
-              <a:cs typeface="Calibri"/>
-            </a:endParaRPr>
+              <a:rPr lang="en-US" dirty="0"/>
+              <a:t>Coupling </a:t>
+            </a:r>
           </a:p>
           <a:p>
             <a:pPr marL="914400" lvl="1" indent="-514350">
@@ -7038,7 +7035,7 @@
               <a:buAutoNum type="arabicPeriod"/>
             </a:pPr>
             <a:r>
-              <a:rPr lang="en-US"/>
+              <a:rPr lang="en-US" dirty="0"/>
               <a:t>Cohesion</a:t>
             </a:r>
           </a:p>
@@ -7048,7 +7045,7 @@
               <a:buAutoNum type="arabicPeriod"/>
             </a:pPr>
             <a:r>
-              <a:rPr lang="en-US"/>
+              <a:rPr lang="en-US" dirty="0"/>
               <a:t>Encapsulation</a:t>
             </a:r>
           </a:p>
@@ -7058,7 +7055,7 @@
               <a:buAutoNum type="arabicPeriod"/>
             </a:pPr>
             <a:r>
-              <a:rPr lang="en-US"/>
+              <a:rPr lang="en-US" dirty="0"/>
               <a:t>Polymorphism</a:t>
             </a:r>
           </a:p>
@@ -7067,14 +7064,14 @@
               <a:buFont typeface="+mj-lt"/>
               <a:buAutoNum type="alphaLcPeriod"/>
             </a:pPr>
-            <a:endParaRPr lang="en-US"/>
+            <a:endParaRPr lang="en-US" dirty="0"/>
           </a:p>
           <a:p>
             <a:pPr marL="0" indent="0">
               <a:buNone/>
             </a:pPr>
             <a:r>
-              <a:rPr lang="en-US"/>
+              <a:rPr lang="en-US" dirty="0"/>
               <a:t>We need interfaces for event-based programming in Java.</a:t>
             </a:r>
           </a:p>
@@ -8182,21 +8179,6 @@
 </file>
 
 <file path=customXml/item1.xml><?xml version="1.0" encoding="utf-8"?>
-<?mso-contentType ?>
-<FormTemplates xmlns="http://schemas.microsoft.com/sharepoint/v3/contenttype/forms">
-  <Display>DocumentLibraryForm</Display>
-  <Edit>DocumentLibraryForm</Edit>
-  <New>DocumentLibraryForm</New>
-</FormTemplates>
-</file>
-
-<file path=customXml/item2.xml><?xml version="1.0" encoding="utf-8"?>
-<p:properties xmlns:p="http://schemas.microsoft.com/office/2006/metadata/properties" xmlns:xsi="http://www.w3.org/2001/XMLSchema-instance" xmlns:pc="http://schemas.microsoft.com/office/infopath/2007/PartnerControls">
-  <documentManagement/>
-</p:properties>
-</file>
-
-<file path=customXml/item3.xml><?xml version="1.0" encoding="utf-8"?>
 <ct:contentTypeSchema xmlns:ct="http://schemas.microsoft.com/office/2006/metadata/contentType" xmlns:ma="http://schemas.microsoft.com/office/2006/metadata/properties/metaAttributes" ct:_="" ma:_="" ma:contentTypeName="Document" ma:contentTypeID="0x0101001570BCAAD2E4294F9443DCB038A55380" ma:contentTypeVersion="8" ma:contentTypeDescription="Create a new document." ma:contentTypeScope="" ma:versionID="9523c79d6bab9e2ad858b5223ec5ed94">
   <xsd:schema xmlns:xsd="http://www.w3.org/2001/XMLSchema" xmlns:xs="http://www.w3.org/2001/XMLSchema" xmlns:p="http://schemas.microsoft.com/office/2006/metadata/properties" xmlns:ns2="201674f6-2bdd-4f13-ba1e-424e4aa70473" targetNamespace="http://schemas.microsoft.com/office/2006/metadata/properties" ma:root="true" ma:fieldsID="587afc94f70b507ec5be5f4d78229b0b" ns2:_="">
     <xsd:import namespace="201674f6-2bdd-4f13-ba1e-424e4aa70473"/>
@@ -8366,24 +8348,22 @@
 </ct:contentTypeSchema>
 </file>
 
-<file path=customXml/itemProps1.xml><?xml version="1.0" encoding="utf-8"?>
-<ds:datastoreItem xmlns:ds="http://schemas.openxmlformats.org/officeDocument/2006/customXml" ds:itemID="{3CB8179A-3C5B-4DD5-887D-2568AF4E10D8}">
-  <ds:schemaRefs>
-    <ds:schemaRef ds:uri="http://schemas.microsoft.com/sharepoint/v3/contenttype/forms"/>
-  </ds:schemaRefs>
-</ds:datastoreItem>
+<file path=customXml/item2.xml><?xml version="1.0" encoding="utf-8"?>
+<p:properties xmlns:p="http://schemas.microsoft.com/office/2006/metadata/properties" xmlns:xsi="http://www.w3.org/2001/XMLSchema-instance" xmlns:pc="http://schemas.microsoft.com/office/infopath/2007/PartnerControls">
+  <documentManagement/>
+</p:properties>
 </file>
 
-<file path=customXml/itemProps2.xml><?xml version="1.0" encoding="utf-8"?>
-<ds:datastoreItem xmlns:ds="http://schemas.openxmlformats.org/officeDocument/2006/customXml" ds:itemID="{53C409AC-F4A9-48A5-9842-B8C391BC6DED}">
-  <ds:schemaRefs>
-    <ds:schemaRef ds:uri="http://schemas.microsoft.com/office/2006/metadata/properties"/>
-    <ds:schemaRef ds:uri="http://schemas.microsoft.com/office/infopath/2007/PartnerControls"/>
-  </ds:schemaRefs>
-</ds:datastoreItem>
+<file path=customXml/item3.xml><?xml version="1.0" encoding="utf-8"?>
+<?mso-contentType ?>
+<FormTemplates xmlns="http://schemas.microsoft.com/sharepoint/v3/contenttype/forms">
+  <Display>DocumentLibraryForm</Display>
+  <Edit>DocumentLibraryForm</Edit>
+  <New>DocumentLibraryForm</New>
+</FormTemplates>
 </file>
 
-<file path=customXml/itemProps3.xml><?xml version="1.0" encoding="utf-8"?>
+<file path=customXml/itemProps1.xml><?xml version="1.0" encoding="utf-8"?>
 <ds:datastoreItem xmlns:ds="http://schemas.openxmlformats.org/officeDocument/2006/customXml" ds:itemID="{AD498D5E-C53E-4B60-A301-18929654B5F8}">
   <ds:schemaRefs>
     <ds:schemaRef ds:uri="http://schemas.microsoft.com/office/2006/metadata/contentType"/>
@@ -8399,4 +8379,21 @@
     <ds:schemaRef ds:uri="http://schemas.microsoft.com/internal/obd"/>
   </ds:schemaRefs>
 </ds:datastoreItem>
+</file>
+
+<file path=customXml/itemProps2.xml><?xml version="1.0" encoding="utf-8"?>
+<ds:datastoreItem xmlns:ds="http://schemas.openxmlformats.org/officeDocument/2006/customXml" ds:itemID="{53C409AC-F4A9-48A5-9842-B8C391BC6DED}">
+  <ds:schemaRefs>
+    <ds:schemaRef ds:uri="http://schemas.microsoft.com/office/2006/metadata/properties"/>
+    <ds:schemaRef ds:uri="http://schemas.microsoft.com/office/infopath/2007/PartnerControls"/>
+  </ds:schemaRefs>
+</ds:datastoreItem>
+</file>
+
+<file path=customXml/itemProps3.xml><?xml version="1.0" encoding="utf-8"?>
+<ds:datastoreItem xmlns:ds="http://schemas.openxmlformats.org/officeDocument/2006/customXml" ds:itemID="{3CB8179A-3C5B-4DD5-887D-2568AF4E10D8}">
+  <ds:schemaRefs>
+    <ds:schemaRef ds:uri="http://schemas.microsoft.com/sharepoint/v3/contenttype/forms"/>
+  </ds:schemaRefs>
+</ds:datastoreItem>
 </file>
--- a/ClassMaterials/EventBasedProgramming/Slides/Part1-InterfaceReview.pptx
+++ b/ClassMaterials/EventBasedProgramming/Slides/Part1-InterfaceReview.pptx
@@ -5,20 +5,23 @@
     <p:sldMasterId id="2147484233" r:id="rId4"/>
   </p:sldMasterIdLst>
   <p:notesMasterIdLst>
-    <p:notesMasterId r:id="rId13"/>
+    <p:notesMasterId r:id="rId16"/>
   </p:notesMasterIdLst>
   <p:handoutMasterIdLst>
-    <p:handoutMasterId r:id="rId14"/>
+    <p:handoutMasterId r:id="rId17"/>
   </p:handoutMasterIdLst>
   <p:sldIdLst>
     <p:sldId id="256" r:id="rId5"/>
-    <p:sldId id="381" r:id="rId6"/>
-    <p:sldId id="402" r:id="rId7"/>
-    <p:sldId id="288" r:id="rId8"/>
-    <p:sldId id="401" r:id="rId9"/>
-    <p:sldId id="382" r:id="rId10"/>
-    <p:sldId id="380" r:id="rId11"/>
-    <p:sldId id="273" r:id="rId12"/>
+    <p:sldId id="403" r:id="rId6"/>
+    <p:sldId id="404" r:id="rId7"/>
+    <p:sldId id="405" r:id="rId8"/>
+    <p:sldId id="381" r:id="rId9"/>
+    <p:sldId id="402" r:id="rId10"/>
+    <p:sldId id="288" r:id="rId11"/>
+    <p:sldId id="401" r:id="rId12"/>
+    <p:sldId id="382" r:id="rId13"/>
+    <p:sldId id="380" r:id="rId14"/>
+    <p:sldId id="273" r:id="rId15"/>
   </p:sldIdLst>
   <p:sldSz cx="9144000" cy="6858000" type="screen4x3"/>
   <p:notesSz cx="7010400" cy="9296400"/>
@@ -336,7 +339,7 @@
               <a:pPr>
                 <a:defRPr/>
               </a:pPr>
-              <a:t>1/15/2024</a:t>
+              <a:t>4/21/2025</a:t>
             </a:fld>
             <a:endParaRPr lang="en-US"/>
           </a:p>
@@ -571,7 +574,7 @@
               <a:pPr>
                 <a:defRPr/>
               </a:pPr>
-              <a:t>1/15/2024</a:t>
+              <a:t>4/21/2025</a:t>
             </a:fld>
             <a:endParaRPr lang="en-US"/>
           </a:p>
@@ -954,7 +957,7 @@
           </a:ln>
           <a:extLst>
             <a:ext uri="{909E8E84-426E-40dd-AFC4-6F175D3DCCD1}">
-              <a14:hiddenFill xmlns:a14="http://schemas.microsoft.com/office/drawing/2010/main" xmlns="">
+              <a14:hiddenFill xmlns="" xmlns:a14="http://schemas.microsoft.com/office/drawing/2010/main">
                 <a:solidFill>
                   <a:srgbClr val="FFFFFF"/>
                 </a:solidFill>
@@ -978,14 +981,14 @@
           <a:ln/>
           <a:extLst>
             <a:ext uri="{909E8E84-426E-40dd-AFC4-6F175D3DCCD1}">
-              <a14:hiddenFill xmlns:a14="http://schemas.microsoft.com/office/drawing/2010/main" xmlns="">
+              <a14:hiddenFill xmlns="" xmlns:a14="http://schemas.microsoft.com/office/drawing/2010/main">
                 <a:solidFill>
                   <a:srgbClr val="FFFFFF"/>
                 </a:solidFill>
               </a14:hiddenFill>
             </a:ext>
             <a:ext uri="{91240B29-F687-4f45-9708-019B960494DF}">
-              <a14:hiddenLine xmlns:a14="http://schemas.microsoft.com/office/drawing/2010/main" xmlns="" w="9525">
+              <a14:hiddenLine xmlns="" xmlns:a14="http://schemas.microsoft.com/office/drawing/2010/main" w="9525">
                 <a:solidFill>
                   <a:srgbClr val="000000"/>
                 </a:solidFill>
@@ -1066,14 +1069,14 @@
           <a:ln/>
           <a:extLst>
             <a:ext uri="{909E8E84-426E-40dd-AFC4-6F175D3DCCD1}">
-              <a14:hiddenFill xmlns:a14="http://schemas.microsoft.com/office/drawing/2010/main" xmlns="">
+              <a14:hiddenFill xmlns="" xmlns:a14="http://schemas.microsoft.com/office/drawing/2010/main">
                 <a:solidFill>
                   <a:srgbClr val="FFFFFF"/>
                 </a:solidFill>
               </a14:hiddenFill>
             </a:ext>
             <a:ext uri="{91240B29-F687-4f45-9708-019B960494DF}">
-              <a14:hiddenLine xmlns:a14="http://schemas.microsoft.com/office/drawing/2010/main" xmlns="" w="9525">
+              <a14:hiddenLine xmlns="" xmlns:a14="http://schemas.microsoft.com/office/drawing/2010/main" w="9525">
                 <a:solidFill>
                   <a:srgbClr val="000000"/>
                 </a:solidFill>
@@ -1326,7 +1329,7 @@
               <a:pPr>
                 <a:defRPr/>
               </a:pPr>
-              <a:t>3</a:t>
+              <a:t>6</a:t>
             </a:fld>
             <a:endParaRPr lang="en-US"/>
           </a:p>
@@ -1419,7 +1422,7 @@
               <a:pPr>
                 <a:defRPr/>
               </a:pPr>
-              <a:t>4</a:t>
+              <a:t>7</a:t>
             </a:fld>
             <a:endParaRPr lang="en-US"/>
           </a:p>
@@ -1525,7 +1528,7 @@
               <a:pPr>
                 <a:defRPr/>
               </a:pPr>
-              <a:t>7</a:t>
+              <a:t>10</a:t>
             </a:fld>
             <a:endParaRPr lang="en-US"/>
           </a:p>
@@ -1615,7 +1618,7 @@
               <a:pPr>
                 <a:defRPr/>
               </a:pPr>
-              <a:t>8</a:t>
+              <a:t>11</a:t>
             </a:fld>
             <a:endParaRPr lang="en-US"/>
           </a:p>
@@ -1819,7 +1822,7 @@
               <a:pPr>
                 <a:defRPr/>
               </a:pPr>
-              <a:t>Monday, January 15, 2024</a:t>
+              <a:t>Monday, April 21, 2025</a:t>
             </a:fld>
             <a:endParaRPr lang="en-US"/>
           </a:p>
@@ -2002,7 +2005,7 @@
               <a:pPr>
                 <a:defRPr/>
               </a:pPr>
-              <a:t>Monday, January 15, 2024</a:t>
+              <a:t>Monday, April 21, 2025</a:t>
             </a:fld>
             <a:endParaRPr lang="en-US"/>
           </a:p>
@@ -2195,7 +2198,7 @@
               <a:pPr>
                 <a:defRPr/>
               </a:pPr>
-              <a:t>Monday, January 15, 2024</a:t>
+              <a:t>Monday, April 21, 2025</a:t>
             </a:fld>
             <a:endParaRPr lang="en-US"/>
           </a:p>
@@ -2378,7 +2381,7 @@
               <a:pPr>
                 <a:defRPr/>
               </a:pPr>
-              <a:t>Monday, January 15, 2024</a:t>
+              <a:t>Monday, April 21, 2025</a:t>
             </a:fld>
             <a:endParaRPr lang="en-US"/>
           </a:p>
@@ -2638,7 +2641,7 @@
               <a:pPr>
                 <a:defRPr/>
               </a:pPr>
-              <a:t>Monday, January 15, 2024</a:t>
+              <a:t>Monday, April 21, 2025</a:t>
             </a:fld>
             <a:endParaRPr lang="en-US"/>
           </a:p>
@@ -2938,7 +2941,7 @@
               <a:pPr>
                 <a:defRPr/>
               </a:pPr>
-              <a:t>Monday, January 15, 2024</a:t>
+              <a:t>Monday, April 21, 2025</a:t>
             </a:fld>
             <a:endParaRPr lang="en-US"/>
           </a:p>
@@ -3372,7 +3375,7 @@
               <a:pPr>
                 <a:defRPr/>
               </a:pPr>
-              <a:t>Monday, January 15, 2024</a:t>
+              <a:t>Monday, April 21, 2025</a:t>
             </a:fld>
             <a:endParaRPr lang="en-US"/>
           </a:p>
@@ -3504,7 +3507,7 @@
               <a:pPr>
                 <a:defRPr/>
               </a:pPr>
-              <a:t>Monday, January 15, 2024</a:t>
+              <a:t>Monday, April 21, 2025</a:t>
             </a:fld>
             <a:endParaRPr lang="en-US"/>
           </a:p>
@@ -3614,7 +3617,7 @@
               <a:pPr>
                 <a:defRPr/>
               </a:pPr>
-              <a:t>Monday, January 15, 2024</a:t>
+              <a:t>Monday, April 21, 2025</a:t>
             </a:fld>
             <a:endParaRPr lang="en-US"/>
           </a:p>
@@ -3904,7 +3907,7 @@
               <a:pPr>
                 <a:defRPr/>
               </a:pPr>
-              <a:t>Monday, January 15, 2024</a:t>
+              <a:t>Monday, April 21, 2025</a:t>
             </a:fld>
             <a:endParaRPr lang="en-US"/>
           </a:p>
@@ -4171,7 +4174,7 @@
               <a:pPr>
                 <a:defRPr/>
               </a:pPr>
-              <a:t>Monday, January 15, 2024</a:t>
+              <a:t>Monday, April 21, 2025</a:t>
             </a:fld>
             <a:endParaRPr lang="en-US"/>
           </a:p>
@@ -4397,7 +4400,7 @@
               <a:pPr>
                 <a:defRPr/>
               </a:pPr>
-              <a:t>Monday, January 15, 2024</a:t>
+              <a:t>Monday, April 21, 2025</a:t>
             </a:fld>
             <a:endParaRPr lang="en-US"/>
           </a:p>
@@ -4966,72 +4969,6 @@
           </a:p>
         </p:txBody>
       </p:sp>
-      <p:sp>
-        <p:nvSpPr>
-          <p:cNvPr id="3" name="TextBox 2">
-            <a:extLst>
-              <a:ext uri="{FF2B5EF4-FFF2-40B4-BE49-F238E27FC236}">
-                <a16:creationId xmlns:a16="http://schemas.microsoft.com/office/drawing/2014/main" id="{BE4C00AB-C55D-DD34-B7F1-40C0F2C378F8}"/>
-              </a:ext>
-            </a:extLst>
-          </p:cNvPr>
-          <p:cNvSpPr txBox="1"/>
-          <p:nvPr/>
-        </p:nvSpPr>
-        <p:spPr>
-          <a:xfrm>
-            <a:off x="3581400" y="-40807"/>
-            <a:ext cx="5334001" cy="1046440"/>
-          </a:xfrm>
-          <a:prstGeom prst="rect">
-            <a:avLst/>
-          </a:prstGeom>
-          <a:noFill/>
-          <a:ln w="12700" cap="flat">
-            <a:noFill/>
-            <a:miter lim="400000"/>
-          </a:ln>
-          <a:effectLst/>
-        </p:spPr>
-        <p:style>
-          <a:lnRef idx="0">
-            <a:scrgbClr r="0" g="0" b="0"/>
-          </a:lnRef>
-          <a:fillRef idx="0">
-            <a:scrgbClr r="0" g="0" b="0"/>
-          </a:fillRef>
-          <a:effectRef idx="0">
-            <a:scrgbClr r="0" g="0" b="0"/>
-          </a:effectRef>
-          <a:fontRef idx="none"/>
-        </p:style>
-        <p:txBody>
-          <a:bodyPr wrap="square">
-            <a:spAutoFit/>
-          </a:bodyPr>
-          <a:lstStyle/>
-          <a:p>
-            <a:r>
-              <a:rPr lang="en-US" dirty="0">
-                <a:highlight>
-                  <a:srgbClr val="FFFF00"/>
-                </a:highlight>
-              </a:rPr>
-              <a:t>Today’s Attendance password</a:t>
-            </a:r>
-          </a:p>
-          <a:p>
-            <a:r>
-              <a:rPr lang="en-US" sz="4400" dirty="0">
-                <a:highlight>
-                  <a:srgbClr val="FFFF00"/>
-                </a:highlight>
-              </a:rPr>
-              <a:t>__________</a:t>
-            </a:r>
-          </a:p>
-        </p:txBody>
-      </p:sp>
       <p:pic>
         <p:nvPicPr>
           <p:cNvPr id="4" name="Picture 3">
@@ -5062,7 +4999,445 @@
           </a:prstGeom>
         </p:spPr>
       </p:pic>
+      <p:sp>
+        <p:nvSpPr>
+          <p:cNvPr id="6" name="Shape 54">
+            <a:extLst>
+              <a:ext uri="{FF2B5EF4-FFF2-40B4-BE49-F238E27FC236}">
+                <a16:creationId xmlns:a16="http://schemas.microsoft.com/office/drawing/2014/main" id="{5B5E4048-2650-2800-C33C-9ABC3D8B1BB2}"/>
+              </a:ext>
+            </a:extLst>
+          </p:cNvPr>
+          <p:cNvSpPr/>
+          <p:nvPr/>
+        </p:nvSpPr>
+        <p:spPr>
+          <a:xfrm>
+            <a:off x="5539154" y="209686"/>
+            <a:ext cx="3346430" cy="738664"/>
+          </a:xfrm>
+          <a:prstGeom prst="rect">
+            <a:avLst/>
+          </a:prstGeom>
+          <a:solidFill>
+            <a:srgbClr val="9BBB59"/>
+          </a:solidFill>
+          <a:ln w="25400" cap="rnd">
+            <a:solidFill>
+              <a:srgbClr val="718841"/>
+            </a:solidFill>
+          </a:ln>
+          <a:extLst>
+            <a:ext uri="{C572A759-6A51-4108-AA02-DFA0A04FC94B}">
+              <ma14:wrappingTextBoxFlag xmlns:ma14="http://schemas.microsoft.com/office/mac/drawingml/2011/main" xmlns="" val="1"/>
+            </a:ext>
+          </a:extLst>
+        </p:spPr>
+        <p:txBody>
+          <a:bodyPr wrap="square" lIns="0" tIns="0" rIns="0" bIns="0">
+            <a:spAutoFit/>
+          </a:bodyPr>
+          <a:lstStyle/>
+          <a:p>
+            <a:pPr lvl="0"/>
+            <a:r>
+              <a:rPr lang="en-US" sz="2400" i="1" dirty="0">
+                <a:solidFill>
+                  <a:srgbClr val="FFFFFF"/>
+                </a:solidFill>
+              </a:rPr>
+              <a:t> Attendance password    </a:t>
+            </a:r>
+          </a:p>
+          <a:p>
+            <a:pPr lvl="0"/>
+            <a:r>
+              <a:rPr lang="en-US" sz="2400" i="1" dirty="0">
+                <a:solidFill>
+                  <a:srgbClr val="FFFFFF"/>
+                </a:solidFill>
+              </a:rPr>
+              <a:t> is written on the board</a:t>
+            </a:r>
+          </a:p>
+        </p:txBody>
+      </p:sp>
     </p:spTree>
+  </p:cSld>
+  <p:clrMapOvr>
+    <a:masterClrMapping/>
+  </p:clrMapOvr>
+</p:sld>
+</file>
+
+<file path=ppt/slides/slide10.xml><?xml version="1.0" encoding="utf-8"?>
+<p:sld xmlns:a="http://schemas.openxmlformats.org/drawingml/2006/main" xmlns:r="http://schemas.openxmlformats.org/officeDocument/2006/relationships" xmlns:p="http://schemas.openxmlformats.org/presentationml/2006/main">
+  <p:cSld>
+    <p:spTree>
+      <p:nvGrpSpPr>
+        <p:cNvPr id="1" name=""/>
+        <p:cNvGrpSpPr/>
+        <p:nvPr/>
+      </p:nvGrpSpPr>
+      <p:grpSpPr>
+        <a:xfrm>
+          <a:off x="0" y="0"/>
+          <a:ext cx="0" cy="0"/>
+          <a:chOff x="0" y="0"/>
+          <a:chExt cx="0" cy="0"/>
+        </a:xfrm>
+      </p:grpSpPr>
+      <p:sp>
+        <p:nvSpPr>
+          <p:cNvPr id="2" name="Title 1"/>
+          <p:cNvSpPr>
+            <a:spLocks noGrp="1"/>
+          </p:cNvSpPr>
+          <p:nvPr>
+            <p:ph type="title"/>
+          </p:nvPr>
+        </p:nvSpPr>
+        <p:spPr/>
+        <p:txBody>
+          <a:bodyPr/>
+          <a:lstStyle/>
+          <a:p>
+            <a:r>
+              <a:rPr lang="en-US"/>
+              <a:t>Finish the sentence</a:t>
+            </a:r>
+          </a:p>
+        </p:txBody>
+      </p:sp>
+      <p:sp>
+        <p:nvSpPr>
+          <p:cNvPr id="3" name="Content Placeholder 2"/>
+          <p:cNvSpPr>
+            <a:spLocks noGrp="1"/>
+          </p:cNvSpPr>
+          <p:nvPr>
+            <p:ph idx="1"/>
+          </p:nvPr>
+        </p:nvSpPr>
+        <p:spPr/>
+        <p:txBody>
+          <a:bodyPr vert="horz" lIns="91440" tIns="45720" rIns="91440" bIns="45720" rtlCol="0" anchor="t">
+            <a:normAutofit lnSpcReduction="10000"/>
+          </a:bodyPr>
+          <a:lstStyle/>
+          <a:p>
+            <a:pPr marL="0" indent="0">
+              <a:buNone/>
+            </a:pPr>
+            <a:r>
+              <a:rPr lang="en-US" dirty="0"/>
+              <a:t>Using interfaces can help reduce _______ between classes.</a:t>
+            </a:r>
+          </a:p>
+          <a:p>
+            <a:pPr marL="914400" lvl="1" indent="-514350">
+              <a:buFont typeface="+mj-lt"/>
+              <a:buAutoNum type="arabicPeriod"/>
+            </a:pPr>
+            <a:r>
+              <a:rPr lang="en-US" dirty="0"/>
+              <a:t>Coupling </a:t>
+            </a:r>
+          </a:p>
+          <a:p>
+            <a:pPr marL="914400" lvl="1" indent="-514350">
+              <a:buFont typeface="+mj-lt"/>
+              <a:buAutoNum type="arabicPeriod"/>
+            </a:pPr>
+            <a:r>
+              <a:rPr lang="en-US" dirty="0"/>
+              <a:t>Cohesion</a:t>
+            </a:r>
+          </a:p>
+          <a:p>
+            <a:pPr marL="914400" lvl="1" indent="-514350">
+              <a:buFont typeface="+mj-lt"/>
+              <a:buAutoNum type="arabicPeriod"/>
+            </a:pPr>
+            <a:r>
+              <a:rPr lang="en-US" dirty="0"/>
+              <a:t>Encapsulation</a:t>
+            </a:r>
+          </a:p>
+          <a:p>
+            <a:pPr marL="914400" lvl="1" indent="-514350">
+              <a:buFont typeface="+mj-lt"/>
+              <a:buAutoNum type="arabicPeriod"/>
+            </a:pPr>
+            <a:r>
+              <a:rPr lang="en-US" dirty="0"/>
+              <a:t>Polymorphism</a:t>
+            </a:r>
+          </a:p>
+          <a:p>
+            <a:pPr marL="514350" indent="-514350">
+              <a:buFont typeface="+mj-lt"/>
+              <a:buAutoNum type="alphaLcPeriod"/>
+            </a:pPr>
+            <a:endParaRPr lang="en-US" dirty="0"/>
+          </a:p>
+          <a:p>
+            <a:pPr marL="0" indent="0">
+              <a:buNone/>
+            </a:pPr>
+            <a:r>
+              <a:rPr lang="en-US" dirty="0"/>
+              <a:t>We need interfaces for event-based programming in Java.</a:t>
+            </a:r>
+          </a:p>
+        </p:txBody>
+      </p:sp>
+    </p:spTree>
+    <p:extLst>
+      <p:ext uri="{BB962C8B-B14F-4D97-AF65-F5344CB8AC3E}">
+        <p14:creationId xmlns:p14="http://schemas.microsoft.com/office/powerpoint/2010/main" val="1512040240"/>
+      </p:ext>
+    </p:extLst>
+  </p:cSld>
+  <p:clrMapOvr>
+    <a:masterClrMapping/>
+  </p:clrMapOvr>
+</p:sld>
+</file>
+
+<file path=ppt/slides/slide11.xml><?xml version="1.0" encoding="utf-8"?>
+<p:sld xmlns:a="http://schemas.openxmlformats.org/drawingml/2006/main" xmlns:r="http://schemas.openxmlformats.org/officeDocument/2006/relationships" xmlns:p="http://schemas.openxmlformats.org/presentationml/2006/main">
+  <p:cSld>
+    <p:spTree>
+      <p:nvGrpSpPr>
+        <p:cNvPr id="1" name=""/>
+        <p:cNvGrpSpPr/>
+        <p:nvPr/>
+      </p:nvGrpSpPr>
+      <p:grpSpPr>
+        <a:xfrm>
+          <a:off x="0" y="0"/>
+          <a:ext cx="0" cy="0"/>
+          <a:chOff x="0" y="0"/>
+          <a:chExt cx="0" cy="0"/>
+        </a:xfrm>
+      </p:grpSpPr>
+      <p:sp>
+        <p:nvSpPr>
+          <p:cNvPr id="2" name="Title 1"/>
+          <p:cNvSpPr>
+            <a:spLocks noGrp="1"/>
+          </p:cNvSpPr>
+          <p:nvPr>
+            <p:ph type="title"/>
+          </p:nvPr>
+        </p:nvSpPr>
+        <p:spPr/>
+        <p:txBody>
+          <a:bodyPr>
+            <a:normAutofit fontScale="90000"/>
+          </a:bodyPr>
+          <a:lstStyle/>
+          <a:p>
+            <a:r>
+              <a:rPr lang="en-US"/>
+              <a:t>Less Coupling with Interface Version</a:t>
+            </a:r>
+          </a:p>
+        </p:txBody>
+      </p:sp>
+      <p:pic>
+        <p:nvPicPr>
+          <p:cNvPr id="7" name="Picture 4" descr="https://lh3.googleusercontent.com/4iUDcmqSQGrlqblNG5mEh0wBFbmVCRLwimd_7n_UhoBlmFJB9m9FZ7YAIfSkUSZHVVax7lFxIWGhg_t338-DEHGoTY20ZX36zjEN_qRbRyOvH2NJUbpheCQvq1Wb5uylXR8YOh0O">
+            <a:hlinkClick r:id="rId3"/>
+            <a:extLst>
+              <a:ext uri="{FF2B5EF4-FFF2-40B4-BE49-F238E27FC236}">
+                <a16:creationId xmlns:a16="http://schemas.microsoft.com/office/drawing/2014/main" id="{EDD8EEF1-E802-41BB-AB17-EE46323C45A7}"/>
+              </a:ext>
+            </a:extLst>
+          </p:cNvPr>
+          <p:cNvPicPr>
+            <a:picLocks noChangeAspect="1" noChangeArrowheads="1"/>
+          </p:cNvPicPr>
+          <p:nvPr/>
+        </p:nvPicPr>
+        <p:blipFill>
+          <a:blip r:embed="rId4">
+            <a:extLst>
+              <a:ext uri="{28A0092B-C50C-407E-A947-70E740481C1C}">
+                <a14:useLocalDpi xmlns:a14="http://schemas.microsoft.com/office/drawing/2010/main" val="0"/>
+              </a:ext>
+            </a:extLst>
+          </a:blip>
+          <a:srcRect/>
+          <a:stretch>
+            <a:fillRect/>
+          </a:stretch>
+        </p:blipFill>
+        <p:spPr bwMode="auto">
+          <a:xfrm>
+            <a:off x="4419600" y="2743200"/>
+            <a:ext cx="4638502" cy="3986213"/>
+          </a:xfrm>
+          <a:prstGeom prst="rect">
+            <a:avLst/>
+          </a:prstGeom>
+          <a:noFill/>
+          <a:extLst>
+            <a:ext uri="{909E8E84-426E-40DD-AFC4-6F175D3DCCD1}">
+              <a14:hiddenFill xmlns:a14="http://schemas.microsoft.com/office/drawing/2010/main">
+                <a:solidFill>
+                  <a:srgbClr val="FFFFFF"/>
+                </a:solidFill>
+              </a14:hiddenFill>
+            </a:ext>
+          </a:extLst>
+        </p:spPr>
+      </p:pic>
+      <p:pic>
+        <p:nvPicPr>
+          <p:cNvPr id="6" name="Picture 6" descr="https://lh3.googleusercontent.com/W-vFKPsfFrf54DMxw7OXJLQCzUEJYHSY5aooEcAttQR99fk_aPQ4Fgr3ikZsB3qKbiMwgLI_kWVuisyOAJIpDf9edFL3ioHQaCG480oc3H2KWeMaGopQsKKonbHK9Am-vXbsHM_7">
+            <a:hlinkClick r:id="rId5"/>
+            <a:extLst>
+              <a:ext uri="{FF2B5EF4-FFF2-40B4-BE49-F238E27FC236}">
+                <a16:creationId xmlns:a16="http://schemas.microsoft.com/office/drawing/2014/main" id="{3259758C-416C-1740-B46E-44B5789AFA83}"/>
+              </a:ext>
+            </a:extLst>
+          </p:cNvPr>
+          <p:cNvPicPr>
+            <a:picLocks noChangeAspect="1" noChangeArrowheads="1"/>
+          </p:cNvPicPr>
+          <p:nvPr/>
+        </p:nvPicPr>
+        <p:blipFill rotWithShape="1">
+          <a:blip r:embed="rId6">
+            <a:extLst>
+              <a:ext uri="{28A0092B-C50C-407E-A947-70E740481C1C}">
+                <a14:useLocalDpi xmlns:a14="http://schemas.microsoft.com/office/drawing/2010/main" val="0"/>
+              </a:ext>
+            </a:extLst>
+          </a:blip>
+          <a:srcRect t="2940" b="3130"/>
+          <a:stretch/>
+        </p:blipFill>
+        <p:spPr bwMode="auto">
+          <a:xfrm>
+            <a:off x="1" y="1524000"/>
+            <a:ext cx="4536440" cy="2895600"/>
+          </a:xfrm>
+          <a:prstGeom prst="rect">
+            <a:avLst/>
+          </a:prstGeom>
+          <a:noFill/>
+          <a:extLst>
+            <a:ext uri="{909E8E84-426E-40DD-AFC4-6F175D3DCCD1}">
+              <a14:hiddenFill xmlns:a14="http://schemas.microsoft.com/office/drawing/2010/main">
+                <a:solidFill>
+                  <a:srgbClr val="FFFFFF"/>
+                </a:solidFill>
+              </a14:hiddenFill>
+            </a:ext>
+          </a:extLst>
+        </p:spPr>
+      </p:pic>
+      <p:sp>
+        <p:nvSpPr>
+          <p:cNvPr id="3" name="Freeform 2">
+            <a:extLst>
+              <a:ext uri="{FF2B5EF4-FFF2-40B4-BE49-F238E27FC236}">
+                <a16:creationId xmlns:a16="http://schemas.microsoft.com/office/drawing/2014/main" id="{25118856-F7BC-4349-AD5F-DACBEC68BD9F}"/>
+              </a:ext>
+            </a:extLst>
+          </p:cNvPr>
+          <p:cNvSpPr/>
+          <p:nvPr/>
+        </p:nvSpPr>
+        <p:spPr>
+          <a:xfrm>
+            <a:off x="6248400" y="1143000"/>
+            <a:ext cx="667913" cy="1506071"/>
+          </a:xfrm>
+          <a:custGeom>
+            <a:avLst/>
+            <a:gdLst>
+              <a:gd name="connsiteX0" fmla="*/ 0 w 667913"/>
+              <a:gd name="connsiteY0" fmla="*/ 0 h 1506071"/>
+              <a:gd name="connsiteX1" fmla="*/ 605117 w 667913"/>
+              <a:gd name="connsiteY1" fmla="*/ 753036 h 1506071"/>
+              <a:gd name="connsiteX2" fmla="*/ 618565 w 667913"/>
+              <a:gd name="connsiteY2" fmla="*/ 1506071 h 1506071"/>
+            </a:gdLst>
+            <a:ahLst/>
+            <a:cxnLst>
+              <a:cxn ang="0">
+                <a:pos x="connsiteX0" y="connsiteY0"/>
+              </a:cxn>
+              <a:cxn ang="0">
+                <a:pos x="connsiteX1" y="connsiteY1"/>
+              </a:cxn>
+              <a:cxn ang="0">
+                <a:pos x="connsiteX2" y="connsiteY2"/>
+              </a:cxn>
+            </a:cxnLst>
+            <a:rect l="l" t="t" r="r" b="b"/>
+            <a:pathLst>
+              <a:path w="667913" h="1506071">
+                <a:moveTo>
+                  <a:pt x="0" y="0"/>
+                </a:moveTo>
+                <a:cubicBezTo>
+                  <a:pt x="251011" y="251012"/>
+                  <a:pt x="502023" y="502024"/>
+                  <a:pt x="605117" y="753036"/>
+                </a:cubicBezTo>
+                <a:cubicBezTo>
+                  <a:pt x="708211" y="1004048"/>
+                  <a:pt x="663388" y="1255059"/>
+                  <a:pt x="618565" y="1506071"/>
+                </a:cubicBezTo>
+              </a:path>
+            </a:pathLst>
+          </a:custGeom>
+          <a:noFill/>
+          <a:ln w="38100">
+            <a:solidFill>
+              <a:srgbClr val="FF0000"/>
+            </a:solidFill>
+            <a:headEnd type="none" w="med" len="med"/>
+            <a:tailEnd type="arrow" w="med" len="med"/>
+          </a:ln>
+        </p:spPr>
+        <p:style>
+          <a:lnRef idx="2">
+            <a:schemeClr val="accent1">
+              <a:shade val="50000"/>
+            </a:schemeClr>
+          </a:lnRef>
+          <a:fillRef idx="1">
+            <a:schemeClr val="accent1"/>
+          </a:fillRef>
+          <a:effectRef idx="0">
+            <a:schemeClr val="accent1"/>
+          </a:effectRef>
+          <a:fontRef idx="minor">
+            <a:schemeClr val="lt1"/>
+          </a:fontRef>
+        </p:style>
+        <p:txBody>
+          <a:bodyPr rtlCol="0" anchor="ctr"/>
+          <a:lstStyle/>
+          <a:p>
+            <a:pPr algn="ctr"/>
+            <a:endParaRPr lang="en-US"/>
+          </a:p>
+        </p:txBody>
+      </p:sp>
+    </p:spTree>
+    <p:extLst>
+      <p:ext uri="{BB962C8B-B14F-4D97-AF65-F5344CB8AC3E}">
+        <p14:creationId xmlns:p14="http://schemas.microsoft.com/office/powerpoint/2010/main" val="3320106443"/>
+      </p:ext>
+    </p:extLst>
   </p:cSld>
   <p:clrMapOvr>
     <a:masterClrMapping/>
@@ -5089,6 +5464,297 @@
       </p:grpSpPr>
       <p:sp>
         <p:nvSpPr>
+          <p:cNvPr id="2" name="Title 1">
+            <a:extLst>
+              <a:ext uri="{FF2B5EF4-FFF2-40B4-BE49-F238E27FC236}">
+                <a16:creationId xmlns:a16="http://schemas.microsoft.com/office/drawing/2014/main" id="{5DA6C34C-65C2-AB58-B9DB-4E65F1B7D57A}"/>
+              </a:ext>
+            </a:extLst>
+          </p:cNvPr>
+          <p:cNvSpPr>
+            <a:spLocks noGrp="1"/>
+          </p:cNvSpPr>
+          <p:nvPr>
+            <p:ph type="title"/>
+          </p:nvPr>
+        </p:nvSpPr>
+        <p:spPr/>
+        <p:txBody>
+          <a:bodyPr/>
+          <a:lstStyle/>
+          <a:p>
+            <a:r>
+              <a:rPr lang="en-US" dirty="0"/>
+              <a:t>Exam 1 Wrapper</a:t>
+            </a:r>
+          </a:p>
+        </p:txBody>
+      </p:sp>
+      <p:pic>
+        <p:nvPicPr>
+          <p:cNvPr id="5" name="Picture 4">
+            <a:extLst>
+              <a:ext uri="{FF2B5EF4-FFF2-40B4-BE49-F238E27FC236}">
+                <a16:creationId xmlns:a16="http://schemas.microsoft.com/office/drawing/2014/main" id="{A2C7616F-5BD2-0A81-ED79-90127FA9731F}"/>
+              </a:ext>
+            </a:extLst>
+          </p:cNvPr>
+          <p:cNvPicPr>
+            <a:picLocks noChangeAspect="1"/>
+          </p:cNvPicPr>
+          <p:nvPr/>
+        </p:nvPicPr>
+        <p:blipFill>
+          <a:blip r:embed="rId2"/>
+          <a:stretch>
+            <a:fillRect/>
+          </a:stretch>
+        </p:blipFill>
+        <p:spPr>
+          <a:xfrm>
+            <a:off x="0" y="2295734"/>
+            <a:ext cx="9144000" cy="4562266"/>
+          </a:xfrm>
+          <a:prstGeom prst="rect">
+            <a:avLst/>
+          </a:prstGeom>
+        </p:spPr>
+      </p:pic>
+    </p:spTree>
+    <p:extLst>
+      <p:ext uri="{BB962C8B-B14F-4D97-AF65-F5344CB8AC3E}">
+        <p14:creationId xmlns:p14="http://schemas.microsoft.com/office/powerpoint/2010/main" val="1889698489"/>
+      </p:ext>
+    </p:extLst>
+  </p:cSld>
+  <p:clrMapOvr>
+    <a:masterClrMapping/>
+  </p:clrMapOvr>
+</p:sld>
+</file>
+
+<file path=ppt/slides/slide3.xml><?xml version="1.0" encoding="utf-8"?>
+<p:sld xmlns:a="http://schemas.openxmlformats.org/drawingml/2006/main" xmlns:r="http://schemas.openxmlformats.org/officeDocument/2006/relationships" xmlns:p="http://schemas.openxmlformats.org/presentationml/2006/main">
+  <p:cSld>
+    <p:spTree>
+      <p:nvGrpSpPr>
+        <p:cNvPr id="1" name=""/>
+        <p:cNvGrpSpPr/>
+        <p:nvPr/>
+      </p:nvGrpSpPr>
+      <p:grpSpPr>
+        <a:xfrm>
+          <a:off x="0" y="0"/>
+          <a:ext cx="0" cy="0"/>
+          <a:chOff x="0" y="0"/>
+          <a:chExt cx="0" cy="0"/>
+        </a:xfrm>
+      </p:grpSpPr>
+      <p:sp>
+        <p:nvSpPr>
+          <p:cNvPr id="2" name="Title 1">
+            <a:extLst>
+              <a:ext uri="{FF2B5EF4-FFF2-40B4-BE49-F238E27FC236}">
+                <a16:creationId xmlns:a16="http://schemas.microsoft.com/office/drawing/2014/main" id="{B3917187-0568-90CB-5662-3601A6F5E1A7}"/>
+              </a:ext>
+            </a:extLst>
+          </p:cNvPr>
+          <p:cNvSpPr>
+            <a:spLocks noGrp="1"/>
+          </p:cNvSpPr>
+          <p:nvPr>
+            <p:ph type="title"/>
+          </p:nvPr>
+        </p:nvSpPr>
+        <p:spPr/>
+        <p:txBody>
+          <a:bodyPr/>
+          <a:lstStyle/>
+          <a:p>
+            <a:r>
+              <a:rPr lang="en-US" dirty="0"/>
+              <a:t>Education Research</a:t>
+            </a:r>
+          </a:p>
+        </p:txBody>
+      </p:sp>
+      <p:sp>
+        <p:nvSpPr>
+          <p:cNvPr id="3" name="Content Placeholder 2">
+            <a:extLst>
+              <a:ext uri="{FF2B5EF4-FFF2-40B4-BE49-F238E27FC236}">
+                <a16:creationId xmlns:a16="http://schemas.microsoft.com/office/drawing/2014/main" id="{BB114ADB-2830-8853-C5CB-1F4AA5339C5C}"/>
+              </a:ext>
+            </a:extLst>
+          </p:cNvPr>
+          <p:cNvSpPr>
+            <a:spLocks noGrp="1"/>
+          </p:cNvSpPr>
+          <p:nvPr>
+            <p:ph idx="1"/>
+          </p:nvPr>
+        </p:nvSpPr>
+        <p:spPr/>
+        <p:txBody>
+          <a:bodyPr/>
+          <a:lstStyle/>
+          <a:p>
+            <a:endParaRPr lang="en-US"/>
+          </a:p>
+        </p:txBody>
+      </p:sp>
+      <p:pic>
+        <p:nvPicPr>
+          <p:cNvPr id="5" name="Picture 4">
+            <a:extLst>
+              <a:ext uri="{FF2B5EF4-FFF2-40B4-BE49-F238E27FC236}">
+                <a16:creationId xmlns:a16="http://schemas.microsoft.com/office/drawing/2014/main" id="{13F00B7E-B898-7B3D-5ADD-E260FF9A304B}"/>
+              </a:ext>
+            </a:extLst>
+          </p:cNvPr>
+          <p:cNvPicPr>
+            <a:picLocks noChangeAspect="1"/>
+          </p:cNvPicPr>
+          <p:nvPr/>
+        </p:nvPicPr>
+        <p:blipFill>
+          <a:blip r:embed="rId2"/>
+          <a:stretch>
+            <a:fillRect/>
+          </a:stretch>
+        </p:blipFill>
+        <p:spPr>
+          <a:xfrm>
+            <a:off x="0" y="1417638"/>
+            <a:ext cx="9144000" cy="5382110"/>
+          </a:xfrm>
+          <a:prstGeom prst="rect">
+            <a:avLst/>
+          </a:prstGeom>
+        </p:spPr>
+      </p:pic>
+    </p:spTree>
+    <p:extLst>
+      <p:ext uri="{BB962C8B-B14F-4D97-AF65-F5344CB8AC3E}">
+        <p14:creationId xmlns:p14="http://schemas.microsoft.com/office/powerpoint/2010/main" val="2158092602"/>
+      </p:ext>
+    </p:extLst>
+  </p:cSld>
+  <p:clrMapOvr>
+    <a:masterClrMapping/>
+  </p:clrMapOvr>
+</p:sld>
+</file>
+
+<file path=ppt/slides/slide4.xml><?xml version="1.0" encoding="utf-8"?>
+<p:sld xmlns:a="http://schemas.openxmlformats.org/drawingml/2006/main" xmlns:r="http://schemas.openxmlformats.org/officeDocument/2006/relationships" xmlns:p="http://schemas.openxmlformats.org/presentationml/2006/main">
+  <p:cSld>
+    <p:spTree>
+      <p:nvGrpSpPr>
+        <p:cNvPr id="1" name=""/>
+        <p:cNvGrpSpPr/>
+        <p:nvPr/>
+      </p:nvGrpSpPr>
+      <p:grpSpPr>
+        <a:xfrm>
+          <a:off x="0" y="0"/>
+          <a:ext cx="0" cy="0"/>
+          <a:chOff x="0" y="0"/>
+          <a:chExt cx="0" cy="0"/>
+        </a:xfrm>
+      </p:grpSpPr>
+      <p:pic>
+        <p:nvPicPr>
+          <p:cNvPr id="5" name="Picture 4">
+            <a:extLst>
+              <a:ext uri="{FF2B5EF4-FFF2-40B4-BE49-F238E27FC236}">
+                <a16:creationId xmlns:a16="http://schemas.microsoft.com/office/drawing/2014/main" id="{1CF341C1-C8BB-BCBC-8838-B3527F50B19E}"/>
+              </a:ext>
+            </a:extLst>
+          </p:cNvPr>
+          <p:cNvPicPr>
+            <a:picLocks noChangeAspect="1"/>
+          </p:cNvPicPr>
+          <p:nvPr/>
+        </p:nvPicPr>
+        <p:blipFill>
+          <a:blip r:embed="rId2"/>
+          <a:stretch>
+            <a:fillRect/>
+          </a:stretch>
+        </p:blipFill>
+        <p:spPr>
+          <a:xfrm>
+            <a:off x="473988" y="161724"/>
+            <a:ext cx="8106906" cy="1438476"/>
+          </a:xfrm>
+          <a:prstGeom prst="rect">
+            <a:avLst/>
+          </a:prstGeom>
+        </p:spPr>
+      </p:pic>
+      <p:pic>
+        <p:nvPicPr>
+          <p:cNvPr id="7" name="Picture 6">
+            <a:extLst>
+              <a:ext uri="{FF2B5EF4-FFF2-40B4-BE49-F238E27FC236}">
+                <a16:creationId xmlns:a16="http://schemas.microsoft.com/office/drawing/2014/main" id="{7EAA7104-2663-AEF5-310F-B19746FA835B}"/>
+              </a:ext>
+            </a:extLst>
+          </p:cNvPr>
+          <p:cNvPicPr>
+            <a:picLocks noChangeAspect="1"/>
+          </p:cNvPicPr>
+          <p:nvPr/>
+        </p:nvPicPr>
+        <p:blipFill>
+          <a:blip r:embed="rId3"/>
+          <a:stretch>
+            <a:fillRect/>
+          </a:stretch>
+        </p:blipFill>
+        <p:spPr>
+          <a:xfrm>
+            <a:off x="245388" y="1879509"/>
+            <a:ext cx="8564106" cy="4816767"/>
+          </a:xfrm>
+          <a:prstGeom prst="rect">
+            <a:avLst/>
+          </a:prstGeom>
+        </p:spPr>
+      </p:pic>
+    </p:spTree>
+    <p:extLst>
+      <p:ext uri="{BB962C8B-B14F-4D97-AF65-F5344CB8AC3E}">
+        <p14:creationId xmlns:p14="http://schemas.microsoft.com/office/powerpoint/2010/main" val="4007297174"/>
+      </p:ext>
+    </p:extLst>
+  </p:cSld>
+  <p:clrMapOvr>
+    <a:masterClrMapping/>
+  </p:clrMapOvr>
+</p:sld>
+</file>
+
+<file path=ppt/slides/slide5.xml><?xml version="1.0" encoding="utf-8"?>
+<p:sld xmlns:a="http://schemas.openxmlformats.org/drawingml/2006/main" xmlns:r="http://schemas.openxmlformats.org/officeDocument/2006/relationships" xmlns:p="http://schemas.openxmlformats.org/presentationml/2006/main">
+  <p:cSld>
+    <p:spTree>
+      <p:nvGrpSpPr>
+        <p:cNvPr id="1" name=""/>
+        <p:cNvGrpSpPr/>
+        <p:nvPr/>
+      </p:nvGrpSpPr>
+      <p:grpSpPr>
+        <a:xfrm>
+          <a:off x="0" y="0"/>
+          <a:ext cx="0" cy="0"/>
+          <a:chOff x="0" y="0"/>
+          <a:chExt cx="0" cy="0"/>
+        </a:xfrm>
+      </p:grpSpPr>
+      <p:sp>
+        <p:nvSpPr>
           <p:cNvPr id="2" name="Title 1"/>
           <p:cNvSpPr>
             <a:spLocks noGrp="1"/>
@@ -5276,7 +5942,7 @@
 </p:sld>
 </file>
 
-<file path=ppt/slides/slide3.xml><?xml version="1.0" encoding="utf-8"?>
+<file path=ppt/slides/slide6.xml><?xml version="1.0" encoding="utf-8"?>
 <p:sld xmlns:a="http://schemas.openxmlformats.org/drawingml/2006/main" xmlns:r="http://schemas.openxmlformats.org/officeDocument/2006/relationships" xmlns:p="http://schemas.openxmlformats.org/presentationml/2006/main">
   <p:cSld>
     <p:spTree>
@@ -5655,7 +6321,7 @@
 </p:sld>
 </file>
 
-<file path=ppt/slides/slide4.xml><?xml version="1.0" encoding="utf-8"?>
+<file path=ppt/slides/slide7.xml><?xml version="1.0" encoding="utf-8"?>
 <p:sld xmlns:a="http://schemas.openxmlformats.org/drawingml/2006/main" xmlns:r="http://schemas.openxmlformats.org/officeDocument/2006/relationships" xmlns:p="http://schemas.openxmlformats.org/presentationml/2006/main">
   <p:cSld>
     <p:spTree>
@@ -6256,7 +6922,7 @@
 </p:sld>
 </file>
 
-<file path=ppt/slides/slide5.xml><?xml version="1.0" encoding="utf-8"?>
+<file path=ppt/slides/slide8.xml><?xml version="1.0" encoding="utf-8"?>
 <p:sld xmlns:a="http://schemas.openxmlformats.org/drawingml/2006/main" xmlns:r="http://schemas.openxmlformats.org/officeDocument/2006/relationships" xmlns:p="http://schemas.openxmlformats.org/presentationml/2006/main">
   <p:cSld>
     <p:spTree>
@@ -6595,7 +7261,7 @@
 </p:sld>
 </file>
 
-<file path=ppt/slides/slide6.xml><?xml version="1.0" encoding="utf-8"?>
+<file path=ppt/slides/slide9.xml><?xml version="1.0" encoding="utf-8"?>
 <p:sld xmlns:a="http://schemas.openxmlformats.org/drawingml/2006/main" xmlns:r="http://schemas.openxmlformats.org/officeDocument/2006/relationships" xmlns:p="http://schemas.openxmlformats.org/presentationml/2006/main">
   <p:cSld>
     <p:spTree>
@@ -6946,381 +7612,6 @@
     <p:extLst>
       <p:ext uri="{BB962C8B-B14F-4D97-AF65-F5344CB8AC3E}">
         <p14:creationId xmlns:p14="http://schemas.microsoft.com/office/powerpoint/2010/main" val="4032452962"/>
-      </p:ext>
-    </p:extLst>
-  </p:cSld>
-  <p:clrMapOvr>
-    <a:masterClrMapping/>
-  </p:clrMapOvr>
-</p:sld>
-</file>
-
-<file path=ppt/slides/slide7.xml><?xml version="1.0" encoding="utf-8"?>
-<p:sld xmlns:a="http://schemas.openxmlformats.org/drawingml/2006/main" xmlns:r="http://schemas.openxmlformats.org/officeDocument/2006/relationships" xmlns:p="http://schemas.openxmlformats.org/presentationml/2006/main">
-  <p:cSld>
-    <p:spTree>
-      <p:nvGrpSpPr>
-        <p:cNvPr id="1" name=""/>
-        <p:cNvGrpSpPr/>
-        <p:nvPr/>
-      </p:nvGrpSpPr>
-      <p:grpSpPr>
-        <a:xfrm>
-          <a:off x="0" y="0"/>
-          <a:ext cx="0" cy="0"/>
-          <a:chOff x="0" y="0"/>
-          <a:chExt cx="0" cy="0"/>
-        </a:xfrm>
-      </p:grpSpPr>
-      <p:sp>
-        <p:nvSpPr>
-          <p:cNvPr id="2" name="Title 1"/>
-          <p:cNvSpPr>
-            <a:spLocks noGrp="1"/>
-          </p:cNvSpPr>
-          <p:nvPr>
-            <p:ph type="title"/>
-          </p:nvPr>
-        </p:nvSpPr>
-        <p:spPr/>
-        <p:txBody>
-          <a:bodyPr/>
-          <a:lstStyle/>
-          <a:p>
-            <a:r>
-              <a:rPr lang="en-US"/>
-              <a:t>Finish the sentence</a:t>
-            </a:r>
-          </a:p>
-        </p:txBody>
-      </p:sp>
-      <p:sp>
-        <p:nvSpPr>
-          <p:cNvPr id="3" name="Content Placeholder 2"/>
-          <p:cNvSpPr>
-            <a:spLocks noGrp="1"/>
-          </p:cNvSpPr>
-          <p:nvPr>
-            <p:ph idx="1"/>
-          </p:nvPr>
-        </p:nvSpPr>
-        <p:spPr/>
-        <p:txBody>
-          <a:bodyPr vert="horz" lIns="91440" tIns="45720" rIns="91440" bIns="45720" rtlCol="0" anchor="t">
-            <a:normAutofit lnSpcReduction="10000"/>
-          </a:bodyPr>
-          <a:lstStyle/>
-          <a:p>
-            <a:pPr marL="0" indent="0">
-              <a:buNone/>
-            </a:pPr>
-            <a:r>
-              <a:rPr lang="en-US" dirty="0"/>
-              <a:t>Using interfaces can help reduce _______ between classes.</a:t>
-            </a:r>
-          </a:p>
-          <a:p>
-            <a:pPr marL="914400" lvl="1" indent="-514350">
-              <a:buFont typeface="+mj-lt"/>
-              <a:buAutoNum type="arabicPeriod"/>
-            </a:pPr>
-            <a:r>
-              <a:rPr lang="en-US" dirty="0"/>
-              <a:t>Coupling </a:t>
-            </a:r>
-          </a:p>
-          <a:p>
-            <a:pPr marL="914400" lvl="1" indent="-514350">
-              <a:buFont typeface="+mj-lt"/>
-              <a:buAutoNum type="arabicPeriod"/>
-            </a:pPr>
-            <a:r>
-              <a:rPr lang="en-US" dirty="0"/>
-              <a:t>Cohesion</a:t>
-            </a:r>
-          </a:p>
-          <a:p>
-            <a:pPr marL="914400" lvl="1" indent="-514350">
-              <a:buFont typeface="+mj-lt"/>
-              <a:buAutoNum type="arabicPeriod"/>
-            </a:pPr>
-            <a:r>
-              <a:rPr lang="en-US" dirty="0"/>
-              <a:t>Encapsulation</a:t>
-            </a:r>
-          </a:p>
-          <a:p>
-            <a:pPr marL="914400" lvl="1" indent="-514350">
-              <a:buFont typeface="+mj-lt"/>
-              <a:buAutoNum type="arabicPeriod"/>
-            </a:pPr>
-            <a:r>
-              <a:rPr lang="en-US" dirty="0"/>
-              <a:t>Polymorphism</a:t>
-            </a:r>
-          </a:p>
-          <a:p>
-            <a:pPr marL="514350" indent="-514350">
-              <a:buFont typeface="+mj-lt"/>
-              <a:buAutoNum type="alphaLcPeriod"/>
-            </a:pPr>
-            <a:endParaRPr lang="en-US" dirty="0"/>
-          </a:p>
-          <a:p>
-            <a:pPr marL="0" indent="0">
-              <a:buNone/>
-            </a:pPr>
-            <a:r>
-              <a:rPr lang="en-US" dirty="0"/>
-              <a:t>We need interfaces for event-based programming in Java.</a:t>
-            </a:r>
-          </a:p>
-        </p:txBody>
-      </p:sp>
-    </p:spTree>
-    <p:extLst>
-      <p:ext uri="{BB962C8B-B14F-4D97-AF65-F5344CB8AC3E}">
-        <p14:creationId xmlns:p14="http://schemas.microsoft.com/office/powerpoint/2010/main" val="1512040240"/>
-      </p:ext>
-    </p:extLst>
-  </p:cSld>
-  <p:clrMapOvr>
-    <a:masterClrMapping/>
-  </p:clrMapOvr>
-</p:sld>
-</file>
-
-<file path=ppt/slides/slide8.xml><?xml version="1.0" encoding="utf-8"?>
-<p:sld xmlns:a="http://schemas.openxmlformats.org/drawingml/2006/main" xmlns:r="http://schemas.openxmlformats.org/officeDocument/2006/relationships" xmlns:p="http://schemas.openxmlformats.org/presentationml/2006/main">
-  <p:cSld>
-    <p:spTree>
-      <p:nvGrpSpPr>
-        <p:cNvPr id="1" name=""/>
-        <p:cNvGrpSpPr/>
-        <p:nvPr/>
-      </p:nvGrpSpPr>
-      <p:grpSpPr>
-        <a:xfrm>
-          <a:off x="0" y="0"/>
-          <a:ext cx="0" cy="0"/>
-          <a:chOff x="0" y="0"/>
-          <a:chExt cx="0" cy="0"/>
-        </a:xfrm>
-      </p:grpSpPr>
-      <p:sp>
-        <p:nvSpPr>
-          <p:cNvPr id="2" name="Title 1"/>
-          <p:cNvSpPr>
-            <a:spLocks noGrp="1"/>
-          </p:cNvSpPr>
-          <p:nvPr>
-            <p:ph type="title"/>
-          </p:nvPr>
-        </p:nvSpPr>
-        <p:spPr/>
-        <p:txBody>
-          <a:bodyPr>
-            <a:normAutofit fontScale="90000"/>
-          </a:bodyPr>
-          <a:lstStyle/>
-          <a:p>
-            <a:r>
-              <a:rPr lang="en-US"/>
-              <a:t>Less Coupling with Interface Version</a:t>
-            </a:r>
-          </a:p>
-        </p:txBody>
-      </p:sp>
-      <p:pic>
-        <p:nvPicPr>
-          <p:cNvPr id="7" name="Picture 4" descr="https://lh3.googleusercontent.com/4iUDcmqSQGrlqblNG5mEh0wBFbmVCRLwimd_7n_UhoBlmFJB9m9FZ7YAIfSkUSZHVVax7lFxIWGhg_t338-DEHGoTY20ZX36zjEN_qRbRyOvH2NJUbpheCQvq1Wb5uylXR8YOh0O">
-            <a:hlinkClick r:id="rId3"/>
-            <a:extLst>
-              <a:ext uri="{FF2B5EF4-FFF2-40B4-BE49-F238E27FC236}">
-                <a16:creationId xmlns:a16="http://schemas.microsoft.com/office/drawing/2014/main" id="{EDD8EEF1-E802-41BB-AB17-EE46323C45A7}"/>
-              </a:ext>
-            </a:extLst>
-          </p:cNvPr>
-          <p:cNvPicPr>
-            <a:picLocks noChangeAspect="1" noChangeArrowheads="1"/>
-          </p:cNvPicPr>
-          <p:nvPr/>
-        </p:nvPicPr>
-        <p:blipFill>
-          <a:blip r:embed="rId4">
-            <a:extLst>
-              <a:ext uri="{28A0092B-C50C-407E-A947-70E740481C1C}">
-                <a14:useLocalDpi xmlns:a14="http://schemas.microsoft.com/office/drawing/2010/main" val="0"/>
-              </a:ext>
-            </a:extLst>
-          </a:blip>
-          <a:srcRect/>
-          <a:stretch>
-            <a:fillRect/>
-          </a:stretch>
-        </p:blipFill>
-        <p:spPr bwMode="auto">
-          <a:xfrm>
-            <a:off x="4419600" y="2743200"/>
-            <a:ext cx="4638502" cy="3986213"/>
-          </a:xfrm>
-          <a:prstGeom prst="rect">
-            <a:avLst/>
-          </a:prstGeom>
-          <a:noFill/>
-          <a:extLst>
-            <a:ext uri="{909E8E84-426E-40DD-AFC4-6F175D3DCCD1}">
-              <a14:hiddenFill xmlns:a14="http://schemas.microsoft.com/office/drawing/2010/main">
-                <a:solidFill>
-                  <a:srgbClr val="FFFFFF"/>
-                </a:solidFill>
-              </a14:hiddenFill>
-            </a:ext>
-          </a:extLst>
-        </p:spPr>
-      </p:pic>
-      <p:pic>
-        <p:nvPicPr>
-          <p:cNvPr id="6" name="Picture 6" descr="https://lh3.googleusercontent.com/W-vFKPsfFrf54DMxw7OXJLQCzUEJYHSY5aooEcAttQR99fk_aPQ4Fgr3ikZsB3qKbiMwgLI_kWVuisyOAJIpDf9edFL3ioHQaCG480oc3H2KWeMaGopQsKKonbHK9Am-vXbsHM_7">
-            <a:hlinkClick r:id="rId5"/>
-            <a:extLst>
-              <a:ext uri="{FF2B5EF4-FFF2-40B4-BE49-F238E27FC236}">
-                <a16:creationId xmlns:a16="http://schemas.microsoft.com/office/drawing/2014/main" id="{3259758C-416C-1740-B46E-44B5789AFA83}"/>
-              </a:ext>
-            </a:extLst>
-          </p:cNvPr>
-          <p:cNvPicPr>
-            <a:picLocks noChangeAspect="1" noChangeArrowheads="1"/>
-          </p:cNvPicPr>
-          <p:nvPr/>
-        </p:nvPicPr>
-        <p:blipFill rotWithShape="1">
-          <a:blip r:embed="rId6">
-            <a:extLst>
-              <a:ext uri="{28A0092B-C50C-407E-A947-70E740481C1C}">
-                <a14:useLocalDpi xmlns:a14="http://schemas.microsoft.com/office/drawing/2010/main" val="0"/>
-              </a:ext>
-            </a:extLst>
-          </a:blip>
-          <a:srcRect t="2940" b="3130"/>
-          <a:stretch/>
-        </p:blipFill>
-        <p:spPr bwMode="auto">
-          <a:xfrm>
-            <a:off x="1" y="1524000"/>
-            <a:ext cx="4536440" cy="2895600"/>
-          </a:xfrm>
-          <a:prstGeom prst="rect">
-            <a:avLst/>
-          </a:prstGeom>
-          <a:noFill/>
-          <a:extLst>
-            <a:ext uri="{909E8E84-426E-40DD-AFC4-6F175D3DCCD1}">
-              <a14:hiddenFill xmlns:a14="http://schemas.microsoft.com/office/drawing/2010/main">
-                <a:solidFill>
-                  <a:srgbClr val="FFFFFF"/>
-                </a:solidFill>
-              </a14:hiddenFill>
-            </a:ext>
-          </a:extLst>
-        </p:spPr>
-      </p:pic>
-      <p:sp>
-        <p:nvSpPr>
-          <p:cNvPr id="3" name="Freeform 2">
-            <a:extLst>
-              <a:ext uri="{FF2B5EF4-FFF2-40B4-BE49-F238E27FC236}">
-                <a16:creationId xmlns:a16="http://schemas.microsoft.com/office/drawing/2014/main" id="{25118856-F7BC-4349-AD5F-DACBEC68BD9F}"/>
-              </a:ext>
-            </a:extLst>
-          </p:cNvPr>
-          <p:cNvSpPr/>
-          <p:nvPr/>
-        </p:nvSpPr>
-        <p:spPr>
-          <a:xfrm>
-            <a:off x="6248400" y="1143000"/>
-            <a:ext cx="667913" cy="1506071"/>
-          </a:xfrm>
-          <a:custGeom>
-            <a:avLst/>
-            <a:gdLst>
-              <a:gd name="connsiteX0" fmla="*/ 0 w 667913"/>
-              <a:gd name="connsiteY0" fmla="*/ 0 h 1506071"/>
-              <a:gd name="connsiteX1" fmla="*/ 605117 w 667913"/>
-              <a:gd name="connsiteY1" fmla="*/ 753036 h 1506071"/>
-              <a:gd name="connsiteX2" fmla="*/ 618565 w 667913"/>
-              <a:gd name="connsiteY2" fmla="*/ 1506071 h 1506071"/>
-            </a:gdLst>
-            <a:ahLst/>
-            <a:cxnLst>
-              <a:cxn ang="0">
-                <a:pos x="connsiteX0" y="connsiteY0"/>
-              </a:cxn>
-              <a:cxn ang="0">
-                <a:pos x="connsiteX1" y="connsiteY1"/>
-              </a:cxn>
-              <a:cxn ang="0">
-                <a:pos x="connsiteX2" y="connsiteY2"/>
-              </a:cxn>
-            </a:cxnLst>
-            <a:rect l="l" t="t" r="r" b="b"/>
-            <a:pathLst>
-              <a:path w="667913" h="1506071">
-                <a:moveTo>
-                  <a:pt x="0" y="0"/>
-                </a:moveTo>
-                <a:cubicBezTo>
-                  <a:pt x="251011" y="251012"/>
-                  <a:pt x="502023" y="502024"/>
-                  <a:pt x="605117" y="753036"/>
-                </a:cubicBezTo>
-                <a:cubicBezTo>
-                  <a:pt x="708211" y="1004048"/>
-                  <a:pt x="663388" y="1255059"/>
-                  <a:pt x="618565" y="1506071"/>
-                </a:cubicBezTo>
-              </a:path>
-            </a:pathLst>
-          </a:custGeom>
-          <a:noFill/>
-          <a:ln w="38100">
-            <a:solidFill>
-              <a:srgbClr val="FF0000"/>
-            </a:solidFill>
-            <a:headEnd type="none" w="med" len="med"/>
-            <a:tailEnd type="arrow" w="med" len="med"/>
-          </a:ln>
-        </p:spPr>
-        <p:style>
-          <a:lnRef idx="2">
-            <a:schemeClr val="accent1">
-              <a:shade val="50000"/>
-            </a:schemeClr>
-          </a:lnRef>
-          <a:fillRef idx="1">
-            <a:schemeClr val="accent1"/>
-          </a:fillRef>
-          <a:effectRef idx="0">
-            <a:schemeClr val="accent1"/>
-          </a:effectRef>
-          <a:fontRef idx="minor">
-            <a:schemeClr val="lt1"/>
-          </a:fontRef>
-        </p:style>
-        <p:txBody>
-          <a:bodyPr rtlCol="0" anchor="ctr"/>
-          <a:lstStyle/>
-          <a:p>
-            <a:pPr algn="ctr"/>
-            <a:endParaRPr lang="en-US"/>
-          </a:p>
-        </p:txBody>
-      </p:sp>
-    </p:spTree>
-    <p:extLst>
-      <p:ext uri="{BB962C8B-B14F-4D97-AF65-F5344CB8AC3E}">
-        <p14:creationId xmlns:p14="http://schemas.microsoft.com/office/powerpoint/2010/main" val="3320106443"/>
       </p:ext>
     </p:extLst>
   </p:cSld>
@@ -8179,6 +8470,12 @@
 </file>
 
 <file path=customXml/item1.xml><?xml version="1.0" encoding="utf-8"?>
+<p:properties xmlns:p="http://schemas.microsoft.com/office/2006/metadata/properties" xmlns:xsi="http://www.w3.org/2001/XMLSchema-instance" xmlns:pc="http://schemas.microsoft.com/office/infopath/2007/PartnerControls">
+  <documentManagement/>
+</p:properties>
+</file>
+
+<file path=customXml/item2.xml><?xml version="1.0" encoding="utf-8"?>
 <ct:contentTypeSchema xmlns:ct="http://schemas.microsoft.com/office/2006/metadata/contentType" xmlns:ma="http://schemas.microsoft.com/office/2006/metadata/properties/metaAttributes" ct:_="" ma:_="" ma:contentTypeName="Document" ma:contentTypeID="0x0101001570BCAAD2E4294F9443DCB038A55380" ma:contentTypeVersion="8" ma:contentTypeDescription="Create a new document." ma:contentTypeScope="" ma:versionID="9523c79d6bab9e2ad858b5223ec5ed94">
   <xsd:schema xmlns:xsd="http://www.w3.org/2001/XMLSchema" xmlns:xs="http://www.w3.org/2001/XMLSchema" xmlns:p="http://schemas.microsoft.com/office/2006/metadata/properties" xmlns:ns2="201674f6-2bdd-4f13-ba1e-424e4aa70473" targetNamespace="http://schemas.microsoft.com/office/2006/metadata/properties" ma:root="true" ma:fieldsID="587afc94f70b507ec5be5f4d78229b0b" ns2:_="">
     <xsd:import namespace="201674f6-2bdd-4f13-ba1e-424e4aa70473"/>
@@ -8348,12 +8645,6 @@
 </ct:contentTypeSchema>
 </file>
 
-<file path=customXml/item2.xml><?xml version="1.0" encoding="utf-8"?>
-<p:properties xmlns:p="http://schemas.microsoft.com/office/2006/metadata/properties" xmlns:xsi="http://www.w3.org/2001/XMLSchema-instance" xmlns:pc="http://schemas.microsoft.com/office/infopath/2007/PartnerControls">
-  <documentManagement/>
-</p:properties>
-</file>
-
 <file path=customXml/item3.xml><?xml version="1.0" encoding="utf-8"?>
 <?mso-contentType ?>
 <FormTemplates xmlns="http://schemas.microsoft.com/sharepoint/v3/contenttype/forms">
@@ -8364,6 +8655,15 @@
 </file>
 
 <file path=customXml/itemProps1.xml><?xml version="1.0" encoding="utf-8"?>
+<ds:datastoreItem xmlns:ds="http://schemas.openxmlformats.org/officeDocument/2006/customXml" ds:itemID="{53C409AC-F4A9-48A5-9842-B8C391BC6DED}">
+  <ds:schemaRefs>
+    <ds:schemaRef ds:uri="http://schemas.microsoft.com/office/2006/metadata/properties"/>
+    <ds:schemaRef ds:uri="http://schemas.microsoft.com/office/infopath/2007/PartnerControls"/>
+  </ds:schemaRefs>
+</ds:datastoreItem>
+</file>
+
+<file path=customXml/itemProps2.xml><?xml version="1.0" encoding="utf-8"?>
 <ds:datastoreItem xmlns:ds="http://schemas.openxmlformats.org/officeDocument/2006/customXml" ds:itemID="{AD498D5E-C53E-4B60-A301-18929654B5F8}">
   <ds:schemaRefs>
     <ds:schemaRef ds:uri="http://schemas.microsoft.com/office/2006/metadata/contentType"/>
@@ -8381,15 +8681,6 @@
 </ds:datastoreItem>
 </file>
 
-<file path=customXml/itemProps2.xml><?xml version="1.0" encoding="utf-8"?>
-<ds:datastoreItem xmlns:ds="http://schemas.openxmlformats.org/officeDocument/2006/customXml" ds:itemID="{53C409AC-F4A9-48A5-9842-B8C391BC6DED}">
-  <ds:schemaRefs>
-    <ds:schemaRef ds:uri="http://schemas.microsoft.com/office/2006/metadata/properties"/>
-    <ds:schemaRef ds:uri="http://schemas.microsoft.com/office/infopath/2007/PartnerControls"/>
-  </ds:schemaRefs>
-</ds:datastoreItem>
-</file>
-
 <file path=customXml/itemProps3.xml><?xml version="1.0" encoding="utf-8"?>
 <ds:datastoreItem xmlns:ds="http://schemas.openxmlformats.org/officeDocument/2006/customXml" ds:itemID="{3CB8179A-3C5B-4DD5-887D-2568AF4E10D8}">
   <ds:schemaRefs>
